--- a/Hop or not to hope.pptx
+++ b/Hop or not to hope.pptx
@@ -6,9 +6,14 @@
   </p:sldMasterIdLst>
   <p:sldIdLst>
     <p:sldId id="259" r:id="rId2"/>
-    <p:sldId id="260" r:id="rId3"/>
-    <p:sldId id="258" r:id="rId4"/>
-    <p:sldId id="257" r:id="rId5"/>
+    <p:sldId id="258" r:id="rId3"/>
+    <p:sldId id="262" r:id="rId4"/>
+    <p:sldId id="263" r:id="rId5"/>
+    <p:sldId id="264" r:id="rId6"/>
+    <p:sldId id="265" r:id="rId7"/>
+    <p:sldId id="266" r:id="rId8"/>
+    <p:sldId id="260" r:id="rId9"/>
+    <p:sldId id="267" r:id="rId10"/>
   </p:sldIdLst>
   <p:sldSz cx="12192000" cy="6858000"/>
   <p:notesSz cx="6858000" cy="9144000"/>
@@ -107,6 +112,11 @@
       </a:defRPr>
     </a:lvl9pPr>
   </p:defaultTextStyle>
+  <p:extLst>
+    <p:ext uri="{EFAFB233-063F-42B5-8137-9DF3F51BA10A}">
+      <p15:sldGuideLst xmlns:p15="http://schemas.microsoft.com/office/powerpoint/2012/main"/>
+    </p:ext>
+  </p:extLst>
 </p:presentation>
 </file>
 
@@ -263,7 +273,7 @@
           <a:p>
             <a:fld id="{C78CF14D-041E-46DD-BB74-A67E5581063B}" type="datetimeFigureOut">
               <a:rPr lang="en-DK" smtClean="0"/>
-              <a:t>25/04/2018</a:t>
+              <a:t>04/28/2018</a:t>
             </a:fld>
             <a:endParaRPr lang="en-DK"/>
           </a:p>
@@ -317,7 +327,7 @@
           <a:p>
             <a:fld id="{2817A623-7236-4665-A594-D019834C30E7}" type="slidenum">
               <a:rPr lang="en-DK" smtClean="0"/>
-              <a:t>‹nr.›</a:t>
+              <a:t>‹#›</a:t>
             </a:fld>
             <a:endParaRPr lang="en-DK"/>
           </a:p>
@@ -463,7 +473,7 @@
           <a:p>
             <a:fld id="{C78CF14D-041E-46DD-BB74-A67E5581063B}" type="datetimeFigureOut">
               <a:rPr lang="en-DK" smtClean="0"/>
-              <a:t>25/04/2018</a:t>
+              <a:t>04/28/2018</a:t>
             </a:fld>
             <a:endParaRPr lang="en-DK"/>
           </a:p>
@@ -517,7 +527,7 @@
           <a:p>
             <a:fld id="{2817A623-7236-4665-A594-D019834C30E7}" type="slidenum">
               <a:rPr lang="en-DK" smtClean="0"/>
-              <a:t>‹nr.›</a:t>
+              <a:t>‹#›</a:t>
             </a:fld>
             <a:endParaRPr lang="en-DK"/>
           </a:p>
@@ -673,7 +683,7 @@
           <a:p>
             <a:fld id="{C78CF14D-041E-46DD-BB74-A67E5581063B}" type="datetimeFigureOut">
               <a:rPr lang="en-DK" smtClean="0"/>
-              <a:t>25/04/2018</a:t>
+              <a:t>04/28/2018</a:t>
             </a:fld>
             <a:endParaRPr lang="en-DK"/>
           </a:p>
@@ -727,7 +737,7 @@
           <a:p>
             <a:fld id="{2817A623-7236-4665-A594-D019834C30E7}" type="slidenum">
               <a:rPr lang="en-DK" smtClean="0"/>
-              <a:t>‹nr.›</a:t>
+              <a:t>‹#›</a:t>
             </a:fld>
             <a:endParaRPr lang="en-DK"/>
           </a:p>
@@ -873,7 +883,7 @@
           <a:p>
             <a:fld id="{C78CF14D-041E-46DD-BB74-A67E5581063B}" type="datetimeFigureOut">
               <a:rPr lang="en-DK" smtClean="0"/>
-              <a:t>25/04/2018</a:t>
+              <a:t>04/28/2018</a:t>
             </a:fld>
             <a:endParaRPr lang="en-DK"/>
           </a:p>
@@ -927,7 +937,7 @@
           <a:p>
             <a:fld id="{2817A623-7236-4665-A594-D019834C30E7}" type="slidenum">
               <a:rPr lang="en-DK" smtClean="0"/>
-              <a:t>‹nr.›</a:t>
+              <a:t>‹#›</a:t>
             </a:fld>
             <a:endParaRPr lang="en-DK"/>
           </a:p>
@@ -1149,7 +1159,7 @@
           <a:p>
             <a:fld id="{C78CF14D-041E-46DD-BB74-A67E5581063B}" type="datetimeFigureOut">
               <a:rPr lang="en-DK" smtClean="0"/>
-              <a:t>25/04/2018</a:t>
+              <a:t>04/28/2018</a:t>
             </a:fld>
             <a:endParaRPr lang="en-DK"/>
           </a:p>
@@ -1203,7 +1213,7 @@
           <a:p>
             <a:fld id="{2817A623-7236-4665-A594-D019834C30E7}" type="slidenum">
               <a:rPr lang="en-DK" smtClean="0"/>
-              <a:t>‹nr.›</a:t>
+              <a:t>‹#›</a:t>
             </a:fld>
             <a:endParaRPr lang="en-DK"/>
           </a:p>
@@ -1417,7 +1427,7 @@
           <a:p>
             <a:fld id="{C78CF14D-041E-46DD-BB74-A67E5581063B}" type="datetimeFigureOut">
               <a:rPr lang="en-DK" smtClean="0"/>
-              <a:t>25/04/2018</a:t>
+              <a:t>04/28/2018</a:t>
             </a:fld>
             <a:endParaRPr lang="en-DK"/>
           </a:p>
@@ -1471,7 +1481,7 @@
           <a:p>
             <a:fld id="{2817A623-7236-4665-A594-D019834C30E7}" type="slidenum">
               <a:rPr lang="en-DK" smtClean="0"/>
-              <a:t>‹nr.›</a:t>
+              <a:t>‹#›</a:t>
             </a:fld>
             <a:endParaRPr lang="en-DK"/>
           </a:p>
@@ -1832,7 +1842,7 @@
           <a:p>
             <a:fld id="{C78CF14D-041E-46DD-BB74-A67E5581063B}" type="datetimeFigureOut">
               <a:rPr lang="en-DK" smtClean="0"/>
-              <a:t>25/04/2018</a:t>
+              <a:t>04/28/2018</a:t>
             </a:fld>
             <a:endParaRPr lang="en-DK"/>
           </a:p>
@@ -1886,7 +1896,7 @@
           <a:p>
             <a:fld id="{2817A623-7236-4665-A594-D019834C30E7}" type="slidenum">
               <a:rPr lang="en-DK" smtClean="0"/>
-              <a:t>‹nr.›</a:t>
+              <a:t>‹#›</a:t>
             </a:fld>
             <a:endParaRPr lang="en-DK"/>
           </a:p>
@@ -1974,7 +1984,7 @@
           <a:p>
             <a:fld id="{C78CF14D-041E-46DD-BB74-A67E5581063B}" type="datetimeFigureOut">
               <a:rPr lang="en-DK" smtClean="0"/>
-              <a:t>25/04/2018</a:t>
+              <a:t>04/28/2018</a:t>
             </a:fld>
             <a:endParaRPr lang="en-DK"/>
           </a:p>
@@ -2028,7 +2038,7 @@
           <a:p>
             <a:fld id="{2817A623-7236-4665-A594-D019834C30E7}" type="slidenum">
               <a:rPr lang="en-DK" smtClean="0"/>
-              <a:t>‹nr.›</a:t>
+              <a:t>‹#›</a:t>
             </a:fld>
             <a:endParaRPr lang="en-DK"/>
           </a:p>
@@ -2087,7 +2097,7 @@
           <a:p>
             <a:fld id="{C78CF14D-041E-46DD-BB74-A67E5581063B}" type="datetimeFigureOut">
               <a:rPr lang="en-DK" smtClean="0"/>
-              <a:t>25/04/2018</a:t>
+              <a:t>04/28/2018</a:t>
             </a:fld>
             <a:endParaRPr lang="en-DK"/>
           </a:p>
@@ -2141,7 +2151,7 @@
           <a:p>
             <a:fld id="{2817A623-7236-4665-A594-D019834C30E7}" type="slidenum">
               <a:rPr lang="en-DK" smtClean="0"/>
-              <a:t>‹nr.›</a:t>
+              <a:t>‹#›</a:t>
             </a:fld>
             <a:endParaRPr lang="en-DK"/>
           </a:p>
@@ -2400,7 +2410,7 @@
           <a:p>
             <a:fld id="{C78CF14D-041E-46DD-BB74-A67E5581063B}" type="datetimeFigureOut">
               <a:rPr lang="en-DK" smtClean="0"/>
-              <a:t>25/04/2018</a:t>
+              <a:t>04/28/2018</a:t>
             </a:fld>
             <a:endParaRPr lang="en-DK"/>
           </a:p>
@@ -2454,7 +2464,7 @@
           <a:p>
             <a:fld id="{2817A623-7236-4665-A594-D019834C30E7}" type="slidenum">
               <a:rPr lang="en-DK" smtClean="0"/>
-              <a:t>‹nr.›</a:t>
+              <a:t>‹#›</a:t>
             </a:fld>
             <a:endParaRPr lang="en-DK"/>
           </a:p>
@@ -2689,7 +2699,7 @@
           <a:p>
             <a:fld id="{C78CF14D-041E-46DD-BB74-A67E5581063B}" type="datetimeFigureOut">
               <a:rPr lang="en-DK" smtClean="0"/>
-              <a:t>25/04/2018</a:t>
+              <a:t>04/28/2018</a:t>
             </a:fld>
             <a:endParaRPr lang="en-DK"/>
           </a:p>
@@ -2743,7 +2753,7 @@
           <a:p>
             <a:fld id="{2817A623-7236-4665-A594-D019834C30E7}" type="slidenum">
               <a:rPr lang="en-DK" smtClean="0"/>
-              <a:t>‹nr.›</a:t>
+              <a:t>‹#›</a:t>
             </a:fld>
             <a:endParaRPr lang="en-DK"/>
           </a:p>
@@ -2932,7 +2942,7 @@
           <a:p>
             <a:fld id="{C78CF14D-041E-46DD-BB74-A67E5581063B}" type="datetimeFigureOut">
               <a:rPr lang="en-DK" smtClean="0"/>
-              <a:t>25/04/2018</a:t>
+              <a:t>04/28/2018</a:t>
             </a:fld>
             <a:endParaRPr lang="en-DK"/>
           </a:p>
@@ -3022,7 +3032,7 @@
           <a:p>
             <a:fld id="{2817A623-7236-4665-A594-D019834C30E7}" type="slidenum">
               <a:rPr lang="en-DK" smtClean="0"/>
-              <a:t>‹nr.›</a:t>
+              <a:t>‹#›</a:t>
             </a:fld>
             <a:endParaRPr lang="en-DK"/>
           </a:p>
@@ -3607,7 +3617,7 @@
       </p:grpSpPr>
       <p:sp>
         <p:nvSpPr>
-          <p:cNvPr id="17" name="Rectangle 16">
+          <p:cNvPr id="13" name="Rectangle 12">
             <a:extLst>
               <a:ext uri="{FF2B5EF4-FFF2-40B4-BE49-F238E27FC236}">
                 <a16:creationId xmlns:a16="http://schemas.microsoft.com/office/drawing/2014/main" id="{867D4867-5BA7-4462-B2F6-A23F4A622AA7}"/>
@@ -3668,10 +3678,10 @@
       </p:sp>
       <p:pic>
         <p:nvPicPr>
-          <p:cNvPr id="4" name="Billede 3">
-            <a:extLst>
-              <a:ext uri="{FF2B5EF4-FFF2-40B4-BE49-F238E27FC236}">
-                <a16:creationId xmlns:a16="http://schemas.microsoft.com/office/drawing/2014/main" id="{587E7BFF-CF4C-46EF-8704-7F9784994B09}"/>
+          <p:cNvPr id="12" name="Pladsholder til indhold 4">
+            <a:extLst>
+              <a:ext uri="{FF2B5EF4-FFF2-40B4-BE49-F238E27FC236}">
+                <a16:creationId xmlns:a16="http://schemas.microsoft.com/office/drawing/2014/main" id="{22500B17-2276-435F-82C8-3471B0D75421}"/>
               </a:ext>
             </a:extLst>
           </p:cNvPr>
@@ -3681,15 +3691,21 @@
           <p:nvPr/>
         </p:nvPicPr>
         <p:blipFill>
-          <a:blip r:embed="rId2"/>
+          <a:blip r:embed="rId2">
+            <a:extLst>
+              <a:ext uri="{28A0092B-C50C-407E-A947-70E740481C1C}">
+                <a14:useLocalDpi xmlns:a14="http://schemas.microsoft.com/office/drawing/2010/main" val="0"/>
+              </a:ext>
+            </a:extLst>
+          </a:blip>
           <a:stretch>
             <a:fillRect/>
           </a:stretch>
         </p:blipFill>
         <p:spPr>
           <a:xfrm>
-            <a:off x="6076474" y="643467"/>
-            <a:ext cx="4693347" cy="5410199"/>
+            <a:off x="5297763" y="1699926"/>
+            <a:ext cx="6250769" cy="3297280"/>
           </a:xfrm>
           <a:prstGeom prst="rect">
             <a:avLst/>
@@ -3701,7 +3717,7 @@
           <p:cNvPr id="2" name="Titel 1">
             <a:extLst>
               <a:ext uri="{FF2B5EF4-FFF2-40B4-BE49-F238E27FC236}">
-                <a16:creationId xmlns:a16="http://schemas.microsoft.com/office/drawing/2014/main" id="{9FB4A506-2702-4600-A2CA-F98C4422D0FA}"/>
+                <a16:creationId xmlns:a16="http://schemas.microsoft.com/office/drawing/2014/main" id="{3E1A747B-9675-4981-ACB2-9927B952BFB3}"/>
               </a:ext>
             </a:extLst>
           </p:cNvPr>
@@ -3732,14 +3748,14 @@
           <a:p>
             <a:pPr algn="ctr"/>
             <a:r>
-              <a:rPr lang="en-US" sz="2800" dirty="0">
+              <a:rPr lang="en-US" sz="2800">
                 <a:solidFill>
                   <a:schemeClr val="bg1"/>
                 </a:solidFill>
               </a:rPr>
-              <a:t>Power</a:t>
-            </a:r>
-            <a:endParaRPr lang="en-DK" sz="2800" dirty="0">
+              <a:t>Scenario</a:t>
+            </a:r>
+            <a:endParaRPr lang="en-DK" sz="2800">
               <a:solidFill>
                 <a:schemeClr val="bg1"/>
               </a:solidFill>
@@ -3749,10 +3765,10 @@
       </p:sp>
       <p:sp>
         <p:nvSpPr>
-          <p:cNvPr id="9" name="Content Placeholder 8">
-            <a:extLst>
-              <a:ext uri="{FF2B5EF4-FFF2-40B4-BE49-F238E27FC236}">
-                <a16:creationId xmlns:a16="http://schemas.microsoft.com/office/drawing/2014/main" id="{CA83A435-01F2-4983-A087-5E0473CD6185}"/>
+          <p:cNvPr id="14" name="Content Placeholder 9">
+            <a:extLst>
+              <a:ext uri="{FF2B5EF4-FFF2-40B4-BE49-F238E27FC236}">
+                <a16:creationId xmlns:a16="http://schemas.microsoft.com/office/drawing/2014/main" id="{F6FD5C6F-1FDA-48CD-BEC0-12B68866E584}"/>
               </a:ext>
             </a:extLst>
           </p:cNvPr>
@@ -3781,7 +3797,7 @@
                   <a:schemeClr val="bg1"/>
                 </a:solidFill>
               </a:rPr>
-              <a:t>Sending with -25DB</a:t>
+              <a:t>Get runners pules</a:t>
             </a:r>
           </a:p>
           <a:p>
@@ -3798,7 +3814,46 @@
                   <a:schemeClr val="bg1"/>
                 </a:solidFill>
               </a:rPr>
-              <a:t>Receiving </a:t>
+              <a:t>Talk directly when possible</a:t>
+            </a:r>
+          </a:p>
+          <a:p>
+            <a:endParaRPr lang="en-US" sz="2000" dirty="0">
+              <a:solidFill>
+                <a:schemeClr val="bg1"/>
+              </a:solidFill>
+            </a:endParaRPr>
+          </a:p>
+          <a:p>
+            <a:r>
+              <a:rPr lang="en-US" sz="2000" dirty="0">
+                <a:solidFill>
+                  <a:schemeClr val="bg1"/>
+                </a:solidFill>
+              </a:rPr>
+              <a:t>Use relays to extent track</a:t>
+            </a:r>
+          </a:p>
+          <a:p>
+            <a:pPr lvl="1"/>
+            <a:r>
+              <a:rPr lang="en-US" sz="1600" dirty="0">
+                <a:solidFill>
+                  <a:schemeClr val="bg1"/>
+                </a:solidFill>
+              </a:rPr>
+              <a:t>Simple relay</a:t>
+            </a:r>
+          </a:p>
+          <a:p>
+            <a:pPr lvl="1"/>
+            <a:r>
+              <a:rPr lang="en-US" sz="1600" dirty="0">
+                <a:solidFill>
+                  <a:schemeClr val="bg1"/>
+                </a:solidFill>
+              </a:rPr>
+              <a:t>RSSI relay</a:t>
             </a:r>
           </a:p>
         </p:txBody>
@@ -3806,7 +3861,7 @@
     </p:spTree>
     <p:extLst>
       <p:ext uri="{BB962C8B-B14F-4D97-AF65-F5344CB8AC3E}">
-        <p14:creationId xmlns:p14="http://schemas.microsoft.com/office/powerpoint/2010/main" val="2745242736"/>
+        <p14:creationId xmlns:p14="http://schemas.microsoft.com/office/powerpoint/2010/main" val="335344787"/>
       </p:ext>
     </p:extLst>
   </p:cSld>
@@ -3841,6 +3896,64 @@
           <a:chExt cx="0" cy="0"/>
         </a:xfrm>
       </p:grpSpPr>
+      <p:pic>
+        <p:nvPicPr>
+          <p:cNvPr id="6" name="Picture 5">
+            <a:extLst>
+              <a:ext uri="{FF2B5EF4-FFF2-40B4-BE49-F238E27FC236}">
+                <a16:creationId xmlns:a16="http://schemas.microsoft.com/office/drawing/2014/main" id="{B73A3533-9974-4865-B57E-EF2F540AF4AA}"/>
+              </a:ext>
+            </a:extLst>
+          </p:cNvPr>
+          <p:cNvPicPr/>
+          <p:nvPr/>
+        </p:nvPicPr>
+        <p:blipFill>
+          <a:blip r:embed="rId2"/>
+          <a:stretch>
+            <a:fillRect/>
+          </a:stretch>
+        </p:blipFill>
+        <p:spPr>
+          <a:xfrm>
+            <a:off x="4819314" y="888280"/>
+            <a:ext cx="3937280" cy="3457575"/>
+          </a:xfrm>
+          <a:prstGeom prst="rect">
+            <a:avLst/>
+          </a:prstGeom>
+        </p:spPr>
+      </p:pic>
+      <p:pic>
+        <p:nvPicPr>
+          <p:cNvPr id="7" name="Content Placeholder 3">
+            <a:extLst>
+              <a:ext uri="{FF2B5EF4-FFF2-40B4-BE49-F238E27FC236}">
+                <a16:creationId xmlns:a16="http://schemas.microsoft.com/office/drawing/2014/main" id="{3644AC71-A229-4066-8000-22652A69991D}"/>
+              </a:ext>
+            </a:extLst>
+          </p:cNvPr>
+          <p:cNvPicPr>
+            <a:picLocks/>
+          </p:cNvPicPr>
+          <p:nvPr/>
+        </p:nvPicPr>
+        <p:blipFill>
+          <a:blip r:embed="rId3"/>
+          <a:stretch>
+            <a:fillRect/>
+          </a:stretch>
+        </p:blipFill>
+        <p:spPr>
+          <a:xfrm>
+            <a:off x="8752896" y="244177"/>
+            <a:ext cx="3439104" cy="4027145"/>
+          </a:xfrm>
+          <a:prstGeom prst="rect">
+            <a:avLst/>
+          </a:prstGeom>
+        </p:spPr>
+      </p:pic>
       <p:sp>
         <p:nvSpPr>
           <p:cNvPr id="13" name="Rectangle 12">
@@ -3902,42 +4015,6 @@
           </a:p>
         </p:txBody>
       </p:sp>
-      <p:pic>
-        <p:nvPicPr>
-          <p:cNvPr id="12" name="Pladsholder til indhold 4">
-            <a:extLst>
-              <a:ext uri="{FF2B5EF4-FFF2-40B4-BE49-F238E27FC236}">
-                <a16:creationId xmlns:a16="http://schemas.microsoft.com/office/drawing/2014/main" id="{22500B17-2276-435F-82C8-3471B0D75421}"/>
-              </a:ext>
-            </a:extLst>
-          </p:cNvPr>
-          <p:cNvPicPr>
-            <a:picLocks noChangeAspect="1"/>
-          </p:cNvPicPr>
-          <p:nvPr/>
-        </p:nvPicPr>
-        <p:blipFill>
-          <a:blip r:embed="rId2">
-            <a:extLst>
-              <a:ext uri="{28A0092B-C50C-407E-A947-70E740481C1C}">
-                <a14:useLocalDpi xmlns:a14="http://schemas.microsoft.com/office/drawing/2010/main" val="0"/>
-              </a:ext>
-            </a:extLst>
-          </a:blip>
-          <a:stretch>
-            <a:fillRect/>
-          </a:stretch>
-        </p:blipFill>
-        <p:spPr>
-          <a:xfrm>
-            <a:off x="5297763" y="1699926"/>
-            <a:ext cx="6250769" cy="3297280"/>
-          </a:xfrm>
-          <a:prstGeom prst="rect">
-            <a:avLst/>
-          </a:prstGeom>
-        </p:spPr>
-      </p:pic>
       <p:sp>
         <p:nvSpPr>
           <p:cNvPr id="2" name="Titel 1">
@@ -3974,14 +4051,29 @@
           <a:p>
             <a:pPr algn="ctr"/>
             <a:r>
+              <a:rPr lang="en-US" sz="3600">
+                <a:solidFill>
+                  <a:schemeClr val="bg1"/>
+                </a:solidFill>
+              </a:rPr>
+              <a:t>Base Station</a:t>
+            </a:r>
+            <a:br>
               <a:rPr lang="en-US" sz="2800">
                 <a:solidFill>
                   <a:schemeClr val="bg1"/>
                 </a:solidFill>
               </a:rPr>
-              <a:t>Scenario</a:t>
-            </a:r>
-            <a:endParaRPr lang="en-DK" sz="2800">
+            </a:br>
+            <a:r>
+              <a:rPr lang="en-US" sz="2800" i="1">
+                <a:solidFill>
+                  <a:schemeClr val="bg1"/>
+                </a:solidFill>
+              </a:rPr>
+              <a:t>RSSI Log plots dBm</a:t>
+            </a:r>
+            <a:endParaRPr lang="en-DK" sz="2800" i="1" dirty="0">
               <a:solidFill>
                 <a:schemeClr val="bg1"/>
               </a:solidFill>
@@ -4013,7 +4105,7 @@
         </p:spPr>
         <p:txBody>
           <a:bodyPr>
-            <a:normAutofit/>
+            <a:normAutofit lnSpcReduction="10000"/>
           </a:bodyPr>
           <a:lstStyle/>
           <a:p>
@@ -4023,10 +4115,80 @@
                   <a:schemeClr val="bg1"/>
                 </a:solidFill>
               </a:rPr>
-              <a:t>Get runners pules</a:t>
-            </a:r>
-          </a:p>
-          <a:p>
+              <a:t>Environment: Interference free clean AIR</a:t>
+            </a:r>
+          </a:p>
+          <a:p>
+            <a:r>
+              <a:rPr lang="en-US" sz="2000" dirty="0" err="1">
+                <a:solidFill>
+                  <a:schemeClr val="bg1"/>
+                </a:solidFill>
+              </a:rPr>
+              <a:t>Ptx</a:t>
+            </a:r>
+            <a:r>
+              <a:rPr lang="en-US" sz="2000" dirty="0">
+                <a:solidFill>
+                  <a:schemeClr val="bg1"/>
+                </a:solidFill>
+              </a:rPr>
+              <a:t> = 0dBm “1mW”</a:t>
+            </a:r>
+          </a:p>
+          <a:p>
+            <a:r>
+              <a:rPr lang="en-US" sz="2000" dirty="0">
+                <a:solidFill>
+                  <a:schemeClr val="bg1"/>
+                </a:solidFill>
+              </a:rPr>
+              <a:t>Isotropic Antenna</a:t>
+            </a:r>
+          </a:p>
+          <a:p>
+            <a:pPr lvl="1"/>
+            <a:r>
+              <a:rPr lang="en-US" sz="1600" dirty="0">
+                <a:solidFill>
+                  <a:schemeClr val="bg1"/>
+                </a:solidFill>
+              </a:rPr>
+              <a:t>2.407GHz “ch1”</a:t>
+            </a:r>
+          </a:p>
+          <a:p>
+            <a:pPr lvl="1"/>
+            <a:r>
+              <a:rPr lang="en-US" sz="1600" dirty="0">
+                <a:solidFill>
+                  <a:schemeClr val="bg1"/>
+                </a:solidFill>
+              </a:rPr>
+              <a:t>Lambda = v/f</a:t>
+            </a:r>
+          </a:p>
+          <a:p>
+            <a:pPr lvl="1"/>
+            <a:r>
+              <a:rPr lang="en-US" sz="1600" dirty="0">
+                <a:solidFill>
+                  <a:schemeClr val="bg1"/>
+                </a:solidFill>
+              </a:rPr>
+              <a:t>2.7cm</a:t>
+            </a:r>
+          </a:p>
+          <a:p>
+            <a:pPr lvl="1"/>
+            <a:r>
+              <a:rPr lang="en-US" sz="1600" dirty="0">
+                <a:solidFill>
+                  <a:schemeClr val="bg1"/>
+                </a:solidFill>
+              </a:rPr>
+              <a:t>d0=0.01167</a:t>
+            </a:r>
             <a:endParaRPr lang="en-US" sz="2000" dirty="0">
               <a:solidFill>
                 <a:schemeClr val="bg1"/>
@@ -4040,24 +4202,18 @@
                   <a:schemeClr val="bg1"/>
                 </a:solidFill>
               </a:rPr>
-              <a:t>Talk directly when possible</a:t>
-            </a:r>
-          </a:p>
-          <a:p>
-            <a:endParaRPr lang="en-US" sz="2000" dirty="0">
-              <a:solidFill>
-                <a:schemeClr val="bg1"/>
-              </a:solidFill>
-            </a:endParaRPr>
-          </a:p>
-          <a:p>
-            <a:r>
-              <a:rPr lang="en-US" sz="2000" dirty="0">
+              <a:t>-84dBm at 159.3m</a:t>
+            </a:r>
+          </a:p>
+          <a:p>
+            <a:pPr lvl="1"/>
+            <a:r>
+              <a:rPr lang="en-US" sz="1600" dirty="0">
                 <a:solidFill>
                   <a:schemeClr val="bg1"/>
                 </a:solidFill>
               </a:rPr>
-              <a:t>Use relays to extent track</a:t>
+              <a:t>Euclidian distance</a:t>
             </a:r>
           </a:p>
           <a:p>
@@ -4068,26 +4224,43 @@
                   <a:schemeClr val="bg1"/>
                 </a:solidFill>
               </a:rPr>
-              <a:t>Simple relay</a:t>
-            </a:r>
-          </a:p>
-          <a:p>
-            <a:pPr lvl="1"/>
-            <a:r>
-              <a:rPr lang="en-US" sz="1600" dirty="0">
-                <a:solidFill>
-                  <a:schemeClr val="bg1"/>
-                </a:solidFill>
-              </a:rPr>
-              <a:t>RSSI relay</a:t>
-            </a:r>
-          </a:p>
-        </p:txBody>
-      </p:sp>
+              <a:t>-94dBm from datasheet</a:t>
+            </a:r>
+          </a:p>
+        </p:txBody>
+      </p:sp>
+      <p:pic>
+        <p:nvPicPr>
+          <p:cNvPr id="8" name="Picture 7">
+            <a:extLst>
+              <a:ext uri="{FF2B5EF4-FFF2-40B4-BE49-F238E27FC236}">
+                <a16:creationId xmlns:a16="http://schemas.microsoft.com/office/drawing/2014/main" id="{E7BD49E1-7905-4BCB-B9CF-B6B8080DF5E0}"/>
+              </a:ext>
+            </a:extLst>
+          </p:cNvPr>
+          <p:cNvPicPr/>
+          <p:nvPr/>
+        </p:nvPicPr>
+        <p:blipFill>
+          <a:blip r:embed="rId4"/>
+          <a:stretch>
+            <a:fillRect/>
+          </a:stretch>
+        </p:blipFill>
+        <p:spPr>
+          <a:xfrm>
+            <a:off x="6349474" y="4611782"/>
+            <a:ext cx="4619625" cy="1657350"/>
+          </a:xfrm>
+          <a:prstGeom prst="rect">
+            <a:avLst/>
+          </a:prstGeom>
+        </p:spPr>
+      </p:pic>
     </p:spTree>
     <p:extLst>
       <p:ext uri="{BB962C8B-B14F-4D97-AF65-F5344CB8AC3E}">
-        <p14:creationId xmlns:p14="http://schemas.microsoft.com/office/powerpoint/2010/main" val="335344787"/>
+        <p14:creationId xmlns:p14="http://schemas.microsoft.com/office/powerpoint/2010/main" val="1123307248"/>
       </p:ext>
     </p:extLst>
   </p:cSld>
@@ -4100,6 +4273,14 @@
 <file path=ppt/slides/slide4.xml><?xml version="1.0" encoding="utf-8"?>
 <p:sld xmlns:a="http://schemas.openxmlformats.org/drawingml/2006/main" xmlns:r="http://schemas.openxmlformats.org/officeDocument/2006/relationships" xmlns:p="http://schemas.openxmlformats.org/presentationml/2006/main">
   <p:cSld>
+    <p:bg>
+      <p:bgPr>
+        <a:solidFill>
+          <a:schemeClr val="bg1"/>
+        </a:solidFill>
+        <a:effectLst/>
+      </p:bgPr>
+    </p:bg>
     <p:spTree>
       <p:nvGrpSpPr>
         <p:cNvPr id="1" name=""/>
@@ -4116,10 +4297,71 @@
       </p:grpSpPr>
       <p:sp>
         <p:nvSpPr>
+          <p:cNvPr id="13" name="Rectangle 12">
+            <a:extLst>
+              <a:ext uri="{FF2B5EF4-FFF2-40B4-BE49-F238E27FC236}">
+                <a16:creationId xmlns:a16="http://schemas.microsoft.com/office/drawing/2014/main" id="{867D4867-5BA7-4462-B2F6-A23F4A622AA7}"/>
+              </a:ext>
+            </a:extLst>
+          </p:cNvPr>
+          <p:cNvSpPr>
+            <a:spLocks noGrp="1" noRot="1" noChangeAspect="1" noMove="1" noResize="1" noEditPoints="1" noAdjustHandles="1" noChangeArrowheads="1" noChangeShapeType="1" noTextEdit="1"/>
+          </p:cNvSpPr>
+          <p:nvPr>
+            <p:extLst>
+              <p:ext uri="{386F3935-93C4-4BCD-93E2-E3B085C9AB24}">
+                <p16:designElem xmlns:p16="http://schemas.microsoft.com/office/powerpoint/2015/main" val="1"/>
+              </p:ext>
+            </p:extLst>
+          </p:nvPr>
+        </p:nvSpPr>
+        <p:spPr>
+          <a:xfrm>
+            <a:off x="0" y="0"/>
+            <a:ext cx="4654296" cy="6858000"/>
+          </a:xfrm>
+          <a:prstGeom prst="rect">
+            <a:avLst/>
+          </a:prstGeom>
+          <a:solidFill>
+            <a:schemeClr val="tx1">
+              <a:lumMod val="75000"/>
+              <a:lumOff val="25000"/>
+            </a:schemeClr>
+          </a:solidFill>
+          <a:ln>
+            <a:noFill/>
+          </a:ln>
+        </p:spPr>
+        <p:style>
+          <a:lnRef idx="0">
+            <a:scrgbClr r="0" g="0" b="0"/>
+          </a:lnRef>
+          <a:fillRef idx="0">
+            <a:scrgbClr r="0" g="0" b="0"/>
+          </a:fillRef>
+          <a:effectRef idx="0">
+            <a:scrgbClr r="0" g="0" b="0"/>
+          </a:effectRef>
+          <a:fontRef idx="minor">
+            <a:schemeClr val="lt1"/>
+          </a:fontRef>
+        </p:style>
+        <p:txBody>
+          <a:bodyPr rtlCol="0" anchor="ctr"/>
+          <a:lstStyle/>
+          <a:p>
+            <a:pPr algn="ctr"/>
+            <a:endParaRPr lang="en-US"/>
+          </a:p>
+        </p:txBody>
+      </p:sp>
+      <p:sp>
+        <p:nvSpPr>
           <p:cNvPr id="2" name="Titel 1">
             <a:extLst>
               <a:ext uri="{FF2B5EF4-FFF2-40B4-BE49-F238E27FC236}">
-                <a16:creationId xmlns:a16="http://schemas.microsoft.com/office/drawing/2014/main" id="{414ADB7D-90A4-4A72-B9F5-7326DE4859B0}"/>
+                <a16:creationId xmlns:a16="http://schemas.microsoft.com/office/drawing/2014/main" id="{3E1A747B-9675-4981-ACB2-9927B952BFB3}"/>
               </a:ext>
             </a:extLst>
           </p:cNvPr>
@@ -4130,21 +4372,77 @@
             <p:ph type="title"/>
           </p:nvPr>
         </p:nvSpPr>
-        <p:spPr/>
-        <p:txBody>
-          <a:bodyPr/>
-          <a:lstStyle/>
-          <a:p>
-            <a:endParaRPr lang="en-DK"/>
-          </a:p>
-        </p:txBody>
-      </p:sp>
-      <p:sp>
-        <p:nvSpPr>
-          <p:cNvPr id="3" name="Pladsholder til indhold 2">
-            <a:extLst>
-              <a:ext uri="{FF2B5EF4-FFF2-40B4-BE49-F238E27FC236}">
-                <a16:creationId xmlns:a16="http://schemas.microsoft.com/office/drawing/2014/main" id="{33A708F3-3BA3-4B71-AF79-E6E2AED702D1}"/>
+        <p:spPr>
+          <a:xfrm>
+            <a:off x="643467" y="643467"/>
+            <a:ext cx="3363974" cy="1597315"/>
+          </a:xfrm>
+          <a:noFill/>
+          <a:ln w="19050">
+            <a:solidFill>
+              <a:schemeClr val="bg1"/>
+            </a:solidFill>
+          </a:ln>
+        </p:spPr>
+        <p:txBody>
+          <a:bodyPr wrap="square">
+            <a:normAutofit/>
+          </a:bodyPr>
+          <a:lstStyle/>
+          <a:p>
+            <a:pPr algn="ctr"/>
+            <a:r>
+              <a:rPr lang="en-US" sz="2800" dirty="0">
+                <a:solidFill>
+                  <a:schemeClr val="bg1"/>
+                </a:solidFill>
+              </a:rPr>
+              <a:t>0dBm vs -24dBm</a:t>
+            </a:r>
+            <a:br>
+              <a:rPr lang="en-US" sz="2800" dirty="0">
+                <a:solidFill>
+                  <a:schemeClr val="bg1"/>
+                </a:solidFill>
+              </a:rPr>
+            </a:br>
+            <a:r>
+              <a:rPr lang="en-US" sz="2800" dirty="0">
+                <a:solidFill>
+                  <a:schemeClr val="bg1"/>
+                </a:solidFill>
+              </a:rPr>
+              <a:t>&amp;</a:t>
+            </a:r>
+            <a:br>
+              <a:rPr lang="en-US" sz="2800" dirty="0">
+                <a:solidFill>
+                  <a:schemeClr val="bg1"/>
+                </a:solidFill>
+              </a:rPr>
+            </a:br>
+            <a:r>
+              <a:rPr lang="en-US" sz="2800" dirty="0">
+                <a:solidFill>
+                  <a:schemeClr val="bg1"/>
+                </a:solidFill>
+              </a:rPr>
+              <a:t>Air vs Building</a:t>
+            </a:r>
+            <a:endParaRPr lang="en-DK" sz="2800" dirty="0">
+              <a:solidFill>
+                <a:schemeClr val="bg1"/>
+              </a:solidFill>
+            </a:endParaRPr>
+          </a:p>
+        </p:txBody>
+      </p:sp>
+      <p:sp>
+        <p:nvSpPr>
+          <p:cNvPr id="14" name="Content Placeholder 9">
+            <a:extLst>
+              <a:ext uri="{FF2B5EF4-FFF2-40B4-BE49-F238E27FC236}">
+                <a16:creationId xmlns:a16="http://schemas.microsoft.com/office/drawing/2014/main" id="{F6FD5C6F-1FDA-48CD-BEC0-12B68866E584}"/>
               </a:ext>
             </a:extLst>
           </p:cNvPr>
@@ -4155,24 +4453,2524 @@
             <p:ph idx="1"/>
           </p:nvPr>
         </p:nvSpPr>
-        <p:spPr/>
-        <p:txBody>
-          <a:bodyPr/>
-          <a:lstStyle/>
-          <a:p>
-            <a:endParaRPr lang="en-DK"/>
-          </a:p>
-        </p:txBody>
-      </p:sp>
+        <p:spPr>
+          <a:xfrm>
+            <a:off x="643468" y="2638044"/>
+            <a:ext cx="3650626" cy="3415622"/>
+          </a:xfrm>
+        </p:spPr>
+        <p:txBody>
+          <a:bodyPr>
+            <a:normAutofit fontScale="92500"/>
+          </a:bodyPr>
+          <a:lstStyle/>
+          <a:p>
+            <a:r>
+              <a:rPr lang="en-US" sz="2000" dirty="0">
+                <a:solidFill>
+                  <a:schemeClr val="bg1"/>
+                </a:solidFill>
+              </a:rPr>
+              <a:t>Change in transmit power</a:t>
+            </a:r>
+          </a:p>
+          <a:p>
+            <a:r>
+              <a:rPr lang="en-US" sz="2000" dirty="0">
+                <a:solidFill>
+                  <a:schemeClr val="bg1"/>
+                </a:solidFill>
+              </a:rPr>
+              <a:t>    0dBm_AIR Track “159.3m”</a:t>
+            </a:r>
+          </a:p>
+          <a:p>
+            <a:pPr lvl="1"/>
+            <a:r>
+              <a:rPr lang="en-US" sz="1200" dirty="0">
+                <a:solidFill>
+                  <a:schemeClr val="bg1"/>
+                </a:solidFill>
+              </a:rPr>
+              <a:t>L400m, H=80m</a:t>
+            </a:r>
+          </a:p>
+          <a:p>
+            <a:r>
+              <a:rPr lang="en-US" sz="2000" dirty="0">
+                <a:solidFill>
+                  <a:schemeClr val="bg1"/>
+                </a:solidFill>
+              </a:rPr>
+              <a:t>-24dBm_AIR Track “10.1m”</a:t>
+            </a:r>
+          </a:p>
+          <a:p>
+            <a:pPr lvl="1"/>
+            <a:r>
+              <a:rPr lang="en-US" sz="1200" dirty="0">
+                <a:solidFill>
+                  <a:schemeClr val="bg1"/>
+                </a:solidFill>
+              </a:rPr>
+              <a:t>L30m, H=6m</a:t>
+            </a:r>
+          </a:p>
+          <a:p>
+            <a:pPr lvl="1"/>
+            <a:r>
+              <a:rPr lang="en-US" sz="1200" dirty="0">
+                <a:solidFill>
+                  <a:schemeClr val="bg1"/>
+                </a:solidFill>
+              </a:rPr>
+              <a:t>Reduced to 7.5% range</a:t>
+            </a:r>
+          </a:p>
+          <a:p>
+            <a:r>
+              <a:rPr lang="en-US" sz="2000" dirty="0">
+                <a:solidFill>
+                  <a:schemeClr val="bg1"/>
+                </a:solidFill>
+              </a:rPr>
+              <a:t>    0dBm_Building Track “64.5m”</a:t>
+            </a:r>
+          </a:p>
+          <a:p>
+            <a:pPr lvl="1"/>
+            <a:r>
+              <a:rPr lang="en-US" sz="1200" dirty="0">
+                <a:solidFill>
+                  <a:schemeClr val="bg1"/>
+                </a:solidFill>
+              </a:rPr>
+              <a:t>L30m, H=6m</a:t>
+            </a:r>
+          </a:p>
+          <a:p>
+            <a:pPr lvl="1"/>
+            <a:r>
+              <a:rPr lang="en-US" sz="1200" dirty="0">
+                <a:solidFill>
+                  <a:schemeClr val="bg1"/>
+                </a:solidFill>
+              </a:rPr>
+              <a:t>Reduced to 32.25% range</a:t>
+            </a:r>
+            <a:endParaRPr lang="en-US" sz="1600" dirty="0">
+              <a:solidFill>
+                <a:schemeClr val="bg1"/>
+              </a:solidFill>
+            </a:endParaRPr>
+          </a:p>
+          <a:p>
+            <a:r>
+              <a:rPr lang="en-US" sz="2000" dirty="0">
+                <a:solidFill>
+                  <a:schemeClr val="bg1"/>
+                </a:solidFill>
+              </a:rPr>
+              <a:t>-24dBm_Building Track “13.1cm”</a:t>
+            </a:r>
+          </a:p>
+          <a:p>
+            <a:pPr lvl="1"/>
+            <a:r>
+              <a:rPr lang="en-US" sz="1200" dirty="0">
+                <a:solidFill>
+                  <a:schemeClr val="bg1"/>
+                </a:solidFill>
+              </a:rPr>
+              <a:t>L20cm, H=4m</a:t>
+            </a:r>
+          </a:p>
+          <a:p>
+            <a:pPr lvl="1"/>
+            <a:r>
+              <a:rPr lang="en-US" sz="1200" dirty="0">
+                <a:solidFill>
+                  <a:schemeClr val="bg1"/>
+                </a:solidFill>
+              </a:rPr>
+              <a:t>Reduced to 0.035% range</a:t>
+            </a:r>
+            <a:endParaRPr lang="en-US" sz="1600" dirty="0">
+              <a:solidFill>
+                <a:schemeClr val="bg1"/>
+              </a:solidFill>
+            </a:endParaRPr>
+          </a:p>
+        </p:txBody>
+      </p:sp>
+      <p:pic>
+        <p:nvPicPr>
+          <p:cNvPr id="3" name="Picture 2">
+            <a:extLst>
+              <a:ext uri="{FF2B5EF4-FFF2-40B4-BE49-F238E27FC236}">
+                <a16:creationId xmlns:a16="http://schemas.microsoft.com/office/drawing/2014/main" id="{4166C394-F86C-4469-A462-184937F08C3F}"/>
+              </a:ext>
+            </a:extLst>
+          </p:cNvPr>
+          <p:cNvPicPr>
+            <a:picLocks noChangeAspect="1"/>
+          </p:cNvPicPr>
+          <p:nvPr/>
+        </p:nvPicPr>
+        <p:blipFill>
+          <a:blip r:embed="rId2"/>
+          <a:stretch>
+            <a:fillRect/>
+          </a:stretch>
+        </p:blipFill>
+        <p:spPr>
+          <a:xfrm>
+            <a:off x="5341186" y="1"/>
+            <a:ext cx="2836414" cy="2268049"/>
+          </a:xfrm>
+          <a:prstGeom prst="rect">
+            <a:avLst/>
+          </a:prstGeom>
+        </p:spPr>
+      </p:pic>
+      <p:pic>
+        <p:nvPicPr>
+          <p:cNvPr id="4" name="Picture 3">
+            <a:extLst>
+              <a:ext uri="{FF2B5EF4-FFF2-40B4-BE49-F238E27FC236}">
+                <a16:creationId xmlns:a16="http://schemas.microsoft.com/office/drawing/2014/main" id="{5F7F593E-72F2-4703-B531-94BFF21491F1}"/>
+              </a:ext>
+            </a:extLst>
+          </p:cNvPr>
+          <p:cNvPicPr>
+            <a:picLocks noChangeAspect="1"/>
+          </p:cNvPicPr>
+          <p:nvPr/>
+        </p:nvPicPr>
+        <p:blipFill>
+          <a:blip r:embed="rId3"/>
+          <a:stretch>
+            <a:fillRect/>
+          </a:stretch>
+        </p:blipFill>
+        <p:spPr>
+          <a:xfrm>
+            <a:off x="8724454" y="0"/>
+            <a:ext cx="2707324" cy="2263237"/>
+          </a:xfrm>
+          <a:prstGeom prst="rect">
+            <a:avLst/>
+          </a:prstGeom>
+        </p:spPr>
+      </p:pic>
+      <p:pic>
+        <p:nvPicPr>
+          <p:cNvPr id="5" name="Picture 4">
+            <a:extLst>
+              <a:ext uri="{FF2B5EF4-FFF2-40B4-BE49-F238E27FC236}">
+                <a16:creationId xmlns:a16="http://schemas.microsoft.com/office/drawing/2014/main" id="{CCFD3D16-F503-4DEC-81E8-1A314B976AEE}"/>
+              </a:ext>
+            </a:extLst>
+          </p:cNvPr>
+          <p:cNvPicPr>
+            <a:picLocks noChangeAspect="1"/>
+          </p:cNvPicPr>
+          <p:nvPr/>
+        </p:nvPicPr>
+        <p:blipFill>
+          <a:blip r:embed="rId4"/>
+          <a:stretch>
+            <a:fillRect/>
+          </a:stretch>
+        </p:blipFill>
+        <p:spPr>
+          <a:xfrm>
+            <a:off x="5341184" y="2263236"/>
+            <a:ext cx="2836416" cy="2272863"/>
+          </a:xfrm>
+          <a:prstGeom prst="rect">
+            <a:avLst/>
+          </a:prstGeom>
+        </p:spPr>
+      </p:pic>
+      <p:pic>
+        <p:nvPicPr>
+          <p:cNvPr id="9" name="Picture 8">
+            <a:extLst>
+              <a:ext uri="{FF2B5EF4-FFF2-40B4-BE49-F238E27FC236}">
+                <a16:creationId xmlns:a16="http://schemas.microsoft.com/office/drawing/2014/main" id="{B61CAADB-5ADC-4D07-8820-D3D5A6394A63}"/>
+              </a:ext>
+            </a:extLst>
+          </p:cNvPr>
+          <p:cNvPicPr>
+            <a:picLocks noChangeAspect="1"/>
+          </p:cNvPicPr>
+          <p:nvPr/>
+        </p:nvPicPr>
+        <p:blipFill>
+          <a:blip r:embed="rId5"/>
+          <a:stretch>
+            <a:fillRect/>
+          </a:stretch>
+        </p:blipFill>
+        <p:spPr>
+          <a:xfrm>
+            <a:off x="8719974" y="2263235"/>
+            <a:ext cx="2716285" cy="2219012"/>
+          </a:xfrm>
+          <a:prstGeom prst="rect">
+            <a:avLst/>
+          </a:prstGeom>
+        </p:spPr>
+      </p:pic>
+      <p:pic>
+        <p:nvPicPr>
+          <p:cNvPr id="10" name="Picture 9">
+            <a:extLst>
+              <a:ext uri="{FF2B5EF4-FFF2-40B4-BE49-F238E27FC236}">
+                <a16:creationId xmlns:a16="http://schemas.microsoft.com/office/drawing/2014/main" id="{9C0F3696-66CE-4F00-A220-EDAD8F90B64F}"/>
+              </a:ext>
+            </a:extLst>
+          </p:cNvPr>
+          <p:cNvPicPr>
+            <a:picLocks noChangeAspect="1"/>
+          </p:cNvPicPr>
+          <p:nvPr/>
+        </p:nvPicPr>
+        <p:blipFill>
+          <a:blip r:embed="rId6"/>
+          <a:stretch>
+            <a:fillRect/>
+          </a:stretch>
+        </p:blipFill>
+        <p:spPr>
+          <a:xfrm>
+            <a:off x="5343424" y="4536099"/>
+            <a:ext cx="2829696" cy="2329357"/>
+          </a:xfrm>
+          <a:prstGeom prst="rect">
+            <a:avLst/>
+          </a:prstGeom>
+        </p:spPr>
+      </p:pic>
+      <p:pic>
+        <p:nvPicPr>
+          <p:cNvPr id="11" name="Picture 10">
+            <a:extLst>
+              <a:ext uri="{FF2B5EF4-FFF2-40B4-BE49-F238E27FC236}">
+                <a16:creationId xmlns:a16="http://schemas.microsoft.com/office/drawing/2014/main" id="{2D9D0505-6926-4D4C-9E83-73F19605E402}"/>
+              </a:ext>
+            </a:extLst>
+          </p:cNvPr>
+          <p:cNvPicPr>
+            <a:picLocks noChangeAspect="1"/>
+          </p:cNvPicPr>
+          <p:nvPr/>
+        </p:nvPicPr>
+        <p:blipFill>
+          <a:blip r:embed="rId7"/>
+          <a:stretch>
+            <a:fillRect/>
+          </a:stretch>
+        </p:blipFill>
+        <p:spPr>
+          <a:xfrm>
+            <a:off x="8719975" y="4482247"/>
+            <a:ext cx="2711804" cy="2375753"/>
+          </a:xfrm>
+          <a:prstGeom prst="rect">
+            <a:avLst/>
+          </a:prstGeom>
+        </p:spPr>
+      </p:pic>
     </p:spTree>
     <p:extLst>
       <p:ext uri="{BB962C8B-B14F-4D97-AF65-F5344CB8AC3E}">
-        <p14:creationId xmlns:p14="http://schemas.microsoft.com/office/powerpoint/2010/main" val="2851163075"/>
+        <p14:creationId xmlns:p14="http://schemas.microsoft.com/office/powerpoint/2010/main" val="2300602101"/>
       </p:ext>
     </p:extLst>
   </p:cSld>
   <p:clrMapOvr>
     <a:masterClrMapping/>
+  </p:clrMapOvr>
+</p:sld>
+</file>
+
+<file path=ppt/slides/slide5.xml><?xml version="1.0" encoding="utf-8"?>
+<p:sld xmlns:a="http://schemas.openxmlformats.org/drawingml/2006/main" xmlns:r="http://schemas.openxmlformats.org/officeDocument/2006/relationships" xmlns:p="http://schemas.openxmlformats.org/presentationml/2006/main">
+  <p:cSld>
+    <p:bg>
+      <p:bgPr>
+        <a:solidFill>
+          <a:schemeClr val="bg1"/>
+        </a:solidFill>
+        <a:effectLst/>
+      </p:bgPr>
+    </p:bg>
+    <p:spTree>
+      <p:nvGrpSpPr>
+        <p:cNvPr id="1" name=""/>
+        <p:cNvGrpSpPr/>
+        <p:nvPr/>
+      </p:nvGrpSpPr>
+      <p:grpSpPr>
+        <a:xfrm>
+          <a:off x="0" y="0"/>
+          <a:ext cx="0" cy="0"/>
+          <a:chOff x="0" y="0"/>
+          <a:chExt cx="0" cy="0"/>
+        </a:xfrm>
+      </p:grpSpPr>
+      <p:sp>
+        <p:nvSpPr>
+          <p:cNvPr id="13" name="Rectangle 12">
+            <a:extLst>
+              <a:ext uri="{FF2B5EF4-FFF2-40B4-BE49-F238E27FC236}">
+                <a16:creationId xmlns:a16="http://schemas.microsoft.com/office/drawing/2014/main" id="{867D4867-5BA7-4462-B2F6-A23F4A622AA7}"/>
+              </a:ext>
+            </a:extLst>
+          </p:cNvPr>
+          <p:cNvSpPr>
+            <a:spLocks noGrp="1" noRot="1" noChangeAspect="1" noMove="1" noResize="1" noEditPoints="1" noAdjustHandles="1" noChangeArrowheads="1" noChangeShapeType="1" noTextEdit="1"/>
+          </p:cNvSpPr>
+          <p:nvPr>
+            <p:extLst>
+              <p:ext uri="{386F3935-93C4-4BCD-93E2-E3B085C9AB24}">
+                <p16:designElem xmlns:p16="http://schemas.microsoft.com/office/powerpoint/2015/main" val="1"/>
+              </p:ext>
+            </p:extLst>
+          </p:nvPr>
+        </p:nvSpPr>
+        <p:spPr>
+          <a:xfrm>
+            <a:off x="0" y="0"/>
+            <a:ext cx="4654296" cy="6858000"/>
+          </a:xfrm>
+          <a:prstGeom prst="rect">
+            <a:avLst/>
+          </a:prstGeom>
+          <a:solidFill>
+            <a:schemeClr val="tx1">
+              <a:lumMod val="75000"/>
+              <a:lumOff val="25000"/>
+            </a:schemeClr>
+          </a:solidFill>
+          <a:ln>
+            <a:noFill/>
+          </a:ln>
+        </p:spPr>
+        <p:style>
+          <a:lnRef idx="0">
+            <a:scrgbClr r="0" g="0" b="0"/>
+          </a:lnRef>
+          <a:fillRef idx="0">
+            <a:scrgbClr r="0" g="0" b="0"/>
+          </a:fillRef>
+          <a:effectRef idx="0">
+            <a:scrgbClr r="0" g="0" b="0"/>
+          </a:effectRef>
+          <a:fontRef idx="minor">
+            <a:schemeClr val="lt1"/>
+          </a:fontRef>
+        </p:style>
+        <p:txBody>
+          <a:bodyPr rtlCol="0" anchor="ctr"/>
+          <a:lstStyle/>
+          <a:p>
+            <a:pPr algn="ctr"/>
+            <a:endParaRPr lang="en-US"/>
+          </a:p>
+        </p:txBody>
+      </p:sp>
+      <p:sp>
+        <p:nvSpPr>
+          <p:cNvPr id="2" name="Titel 1">
+            <a:extLst>
+              <a:ext uri="{FF2B5EF4-FFF2-40B4-BE49-F238E27FC236}">
+                <a16:creationId xmlns:a16="http://schemas.microsoft.com/office/drawing/2014/main" id="{3E1A747B-9675-4981-ACB2-9927B952BFB3}"/>
+              </a:ext>
+            </a:extLst>
+          </p:cNvPr>
+          <p:cNvSpPr>
+            <a:spLocks noGrp="1"/>
+          </p:cNvSpPr>
+          <p:nvPr>
+            <p:ph type="title"/>
+          </p:nvPr>
+        </p:nvSpPr>
+        <p:spPr>
+          <a:xfrm>
+            <a:off x="643467" y="259194"/>
+            <a:ext cx="3363974" cy="1059827"/>
+          </a:xfrm>
+          <a:noFill/>
+          <a:ln w="19050">
+            <a:solidFill>
+              <a:schemeClr val="bg1"/>
+            </a:solidFill>
+          </a:ln>
+        </p:spPr>
+        <p:txBody>
+          <a:bodyPr wrap="square">
+            <a:normAutofit/>
+          </a:bodyPr>
+          <a:lstStyle/>
+          <a:p>
+            <a:pPr algn="ctr"/>
+            <a:r>
+              <a:rPr lang="en-US" sz="2800" dirty="0">
+                <a:solidFill>
+                  <a:schemeClr val="bg1"/>
+                </a:solidFill>
+              </a:rPr>
+              <a:t>RSSI Fading</a:t>
+            </a:r>
+            <a:endParaRPr lang="en-DK" sz="2800" dirty="0">
+              <a:solidFill>
+                <a:schemeClr val="bg1"/>
+              </a:solidFill>
+            </a:endParaRPr>
+          </a:p>
+        </p:txBody>
+      </p:sp>
+      <p:sp>
+        <p:nvSpPr>
+          <p:cNvPr id="14" name="Content Placeholder 9">
+            <a:extLst>
+              <a:ext uri="{FF2B5EF4-FFF2-40B4-BE49-F238E27FC236}">
+                <a16:creationId xmlns:a16="http://schemas.microsoft.com/office/drawing/2014/main" id="{F6FD5C6F-1FDA-48CD-BEC0-12B68866E584}"/>
+              </a:ext>
+            </a:extLst>
+          </p:cNvPr>
+          <p:cNvSpPr>
+            <a:spLocks noGrp="1"/>
+          </p:cNvSpPr>
+          <p:nvPr>
+            <p:ph idx="1"/>
+          </p:nvPr>
+        </p:nvSpPr>
+        <p:spPr>
+          <a:xfrm>
+            <a:off x="84721" y="1435562"/>
+            <a:ext cx="4481466" cy="5078280"/>
+          </a:xfrm>
+        </p:spPr>
+        <p:txBody>
+          <a:bodyPr>
+            <a:normAutofit fontScale="85000" lnSpcReduction="10000"/>
+          </a:bodyPr>
+          <a:lstStyle/>
+          <a:p>
+            <a:r>
+              <a:rPr lang="en-US" sz="2000" dirty="0">
+                <a:solidFill>
+                  <a:schemeClr val="bg1"/>
+                </a:solidFill>
+              </a:rPr>
+              <a:t>Reflection “Fast Fading”</a:t>
+            </a:r>
+          </a:p>
+          <a:p>
+            <a:pPr lvl="1"/>
+            <a:r>
+              <a:rPr lang="en-US" sz="1600" dirty="0">
+                <a:solidFill>
+                  <a:schemeClr val="bg1"/>
+                </a:solidFill>
+              </a:rPr>
+              <a:t>2.4GHz =&gt; Lambda = 12.5cm</a:t>
+            </a:r>
+          </a:p>
+          <a:p>
+            <a:pPr lvl="1"/>
+            <a:r>
+              <a:rPr lang="en-US" sz="1600" dirty="0">
+                <a:solidFill>
+                  <a:schemeClr val="bg1"/>
+                </a:solidFill>
+              </a:rPr>
+              <a:t>Destructive interference “Busty Errors”</a:t>
+            </a:r>
+          </a:p>
+          <a:p>
+            <a:pPr lvl="1"/>
+            <a:r>
+              <a:rPr lang="en-US" sz="1600" dirty="0">
+                <a:solidFill>
+                  <a:schemeClr val="bg1"/>
+                </a:solidFill>
+              </a:rPr>
+              <a:t>-60dBm to -70dBm</a:t>
+            </a:r>
+          </a:p>
+          <a:p>
+            <a:pPr lvl="1"/>
+            <a:r>
+              <a:rPr lang="en-US" sz="1600" dirty="0">
+                <a:solidFill>
+                  <a:schemeClr val="bg1"/>
+                </a:solidFill>
+              </a:rPr>
+              <a:t>In the range of tens to hundreds of milliseconds</a:t>
+            </a:r>
+          </a:p>
+          <a:p>
+            <a:pPr lvl="1"/>
+            <a:r>
+              <a:rPr lang="en-US" sz="1600" dirty="0">
+                <a:solidFill>
+                  <a:schemeClr val="bg1"/>
+                </a:solidFill>
+              </a:rPr>
+              <a:t>Simulated as 250ms occurrences </a:t>
+            </a:r>
+          </a:p>
+          <a:p>
+            <a:r>
+              <a:rPr lang="en-US" sz="2000" dirty="0">
+                <a:solidFill>
+                  <a:schemeClr val="bg1"/>
+                </a:solidFill>
+              </a:rPr>
+              <a:t>Diffraction and Scattering</a:t>
+            </a:r>
+          </a:p>
+          <a:p>
+            <a:pPr lvl="1"/>
+            <a:r>
+              <a:rPr lang="en-US" sz="1600" dirty="0">
+                <a:solidFill>
+                  <a:schemeClr val="bg1"/>
+                </a:solidFill>
+              </a:rPr>
+              <a:t>Shadowing effect “obstacles in the environment”</a:t>
+            </a:r>
+          </a:p>
+          <a:p>
+            <a:pPr lvl="2"/>
+            <a:r>
+              <a:rPr lang="en-US" sz="1200" dirty="0">
+                <a:solidFill>
+                  <a:schemeClr val="bg1"/>
+                </a:solidFill>
+              </a:rPr>
+              <a:t>Photographer at the finish line?</a:t>
+            </a:r>
+          </a:p>
+          <a:p>
+            <a:pPr lvl="2"/>
+            <a:r>
+              <a:rPr lang="en-US" sz="1200" dirty="0" err="1">
+                <a:solidFill>
+                  <a:schemeClr val="bg1"/>
+                </a:solidFill>
+              </a:rPr>
+              <a:t>Toolsheet</a:t>
+            </a:r>
+            <a:r>
+              <a:rPr lang="en-US" sz="1200" dirty="0">
+                <a:solidFill>
+                  <a:schemeClr val="bg1"/>
+                </a:solidFill>
+              </a:rPr>
+              <a:t>?</a:t>
+            </a:r>
+          </a:p>
+          <a:p>
+            <a:pPr lvl="1"/>
+            <a:r>
+              <a:rPr lang="en-US" sz="1600" dirty="0">
+                <a:solidFill>
+                  <a:schemeClr val="bg1"/>
+                </a:solidFill>
+              </a:rPr>
+              <a:t>In the range of tens of seconds to minutes</a:t>
+            </a:r>
+          </a:p>
+          <a:p>
+            <a:pPr lvl="1"/>
+            <a:r>
+              <a:rPr lang="en-US" sz="1600" dirty="0">
+                <a:solidFill>
+                  <a:schemeClr val="bg1"/>
+                </a:solidFill>
+              </a:rPr>
+              <a:t>Simulated as 13 seconds occurrences </a:t>
+            </a:r>
+            <a:endParaRPr lang="en-US" sz="2000" dirty="0">
+              <a:solidFill>
+                <a:schemeClr val="bg1"/>
+              </a:solidFill>
+            </a:endParaRPr>
+          </a:p>
+          <a:p>
+            <a:r>
+              <a:rPr lang="en-US" sz="2000" dirty="0">
+                <a:solidFill>
+                  <a:schemeClr val="bg1"/>
+                </a:solidFill>
+              </a:rPr>
+              <a:t>Doppler fading “Changing signal behavior”</a:t>
+            </a:r>
+          </a:p>
+          <a:p>
+            <a:pPr lvl="1"/>
+            <a:r>
+              <a:rPr lang="en-US" sz="1600" dirty="0">
+                <a:solidFill>
+                  <a:schemeClr val="bg1"/>
+                </a:solidFill>
+              </a:rPr>
+              <a:t>Frequency shift due to movement of nodes</a:t>
+            </a:r>
+          </a:p>
+          <a:p>
+            <a:pPr lvl="1"/>
+            <a:r>
+              <a:rPr lang="en-US" sz="1600" dirty="0">
+                <a:solidFill>
+                  <a:schemeClr val="bg1"/>
+                </a:solidFill>
+              </a:rPr>
+              <a:t>Positive shift at run towards the base station</a:t>
+            </a:r>
+          </a:p>
+          <a:p>
+            <a:pPr lvl="1"/>
+            <a:r>
+              <a:rPr lang="en-US" sz="1600" dirty="0">
+                <a:solidFill>
+                  <a:schemeClr val="bg1"/>
+                </a:solidFill>
+              </a:rPr>
+              <a:t>2MHz wide channels</a:t>
+            </a:r>
+          </a:p>
+          <a:p>
+            <a:pPr lvl="1"/>
+            <a:r>
+              <a:rPr lang="en-US" sz="1600" dirty="0">
+                <a:solidFill>
+                  <a:schemeClr val="bg1"/>
+                </a:solidFill>
+              </a:rPr>
+              <a:t>One package length doppler shift running at 12kph</a:t>
+            </a:r>
+          </a:p>
+          <a:p>
+            <a:pPr lvl="1"/>
+            <a:r>
+              <a:rPr lang="en-US" sz="1600" dirty="0">
+                <a:solidFill>
+                  <a:schemeClr val="bg1"/>
+                </a:solidFill>
+              </a:rPr>
+              <a:t>Top of the track: 26.773Hz shift</a:t>
+            </a:r>
+          </a:p>
+          <a:p>
+            <a:pPr lvl="1"/>
+            <a:r>
+              <a:rPr lang="en-US" sz="1600" dirty="0">
+                <a:solidFill>
+                  <a:schemeClr val="bg1"/>
+                </a:solidFill>
+              </a:rPr>
+              <a:t>       End of track: 29.698Hz shift</a:t>
+            </a:r>
+          </a:p>
+          <a:p>
+            <a:pPr lvl="1"/>
+            <a:r>
+              <a:rPr lang="en-US" sz="1600" dirty="0">
+                <a:solidFill>
+                  <a:schemeClr val="bg1"/>
+                </a:solidFill>
+              </a:rPr>
+              <a:t>Running at 50000kph = 1.1MHz shift </a:t>
+            </a:r>
+            <a:endParaRPr lang="en-US" sz="1200" dirty="0">
+              <a:solidFill>
+                <a:schemeClr val="bg1"/>
+              </a:solidFill>
+            </a:endParaRPr>
+          </a:p>
+          <a:p>
+            <a:pPr lvl="1"/>
+            <a:endParaRPr lang="en-US" sz="1600" dirty="0">
+              <a:solidFill>
+                <a:schemeClr val="bg1"/>
+              </a:solidFill>
+            </a:endParaRPr>
+          </a:p>
+          <a:p>
+            <a:pPr lvl="1"/>
+            <a:endParaRPr lang="en-US" sz="1600" dirty="0">
+              <a:solidFill>
+                <a:schemeClr val="bg1"/>
+              </a:solidFill>
+            </a:endParaRPr>
+          </a:p>
+          <a:p>
+            <a:pPr lvl="1"/>
+            <a:endParaRPr lang="en-US" sz="1600" dirty="0">
+              <a:solidFill>
+                <a:schemeClr val="bg1"/>
+              </a:solidFill>
+            </a:endParaRPr>
+          </a:p>
+          <a:p>
+            <a:pPr lvl="1"/>
+            <a:endParaRPr lang="en-US" sz="1600" dirty="0">
+              <a:solidFill>
+                <a:schemeClr val="bg1"/>
+              </a:solidFill>
+            </a:endParaRPr>
+          </a:p>
+        </p:txBody>
+      </p:sp>
+      <p:pic>
+        <p:nvPicPr>
+          <p:cNvPr id="3" name="Picture 2">
+            <a:extLst>
+              <a:ext uri="{FF2B5EF4-FFF2-40B4-BE49-F238E27FC236}">
+                <a16:creationId xmlns:a16="http://schemas.microsoft.com/office/drawing/2014/main" id="{D220B874-3DFD-4B20-8990-AC529311DBBD}"/>
+              </a:ext>
+            </a:extLst>
+          </p:cNvPr>
+          <p:cNvPicPr>
+            <a:picLocks noChangeAspect="1"/>
+          </p:cNvPicPr>
+          <p:nvPr/>
+        </p:nvPicPr>
+        <p:blipFill>
+          <a:blip r:embed="rId2"/>
+          <a:stretch>
+            <a:fillRect/>
+          </a:stretch>
+        </p:blipFill>
+        <p:spPr>
+          <a:xfrm>
+            <a:off x="4650908" y="102314"/>
+            <a:ext cx="7541092" cy="3219109"/>
+          </a:xfrm>
+          <a:prstGeom prst="rect">
+            <a:avLst/>
+          </a:prstGeom>
+        </p:spPr>
+      </p:pic>
+      <p:pic>
+        <p:nvPicPr>
+          <p:cNvPr id="4" name="Picture 3">
+            <a:extLst>
+              <a:ext uri="{FF2B5EF4-FFF2-40B4-BE49-F238E27FC236}">
+                <a16:creationId xmlns:a16="http://schemas.microsoft.com/office/drawing/2014/main" id="{86817D02-719F-4E10-8F3A-C0743EFD9A52}"/>
+              </a:ext>
+            </a:extLst>
+          </p:cNvPr>
+          <p:cNvPicPr>
+            <a:picLocks noChangeAspect="1"/>
+          </p:cNvPicPr>
+          <p:nvPr/>
+        </p:nvPicPr>
+        <p:blipFill>
+          <a:blip r:embed="rId3"/>
+          <a:stretch>
+            <a:fillRect/>
+          </a:stretch>
+        </p:blipFill>
+        <p:spPr>
+          <a:xfrm>
+            <a:off x="4650908" y="3321423"/>
+            <a:ext cx="7541092" cy="3192419"/>
+          </a:xfrm>
+          <a:prstGeom prst="rect">
+            <a:avLst/>
+          </a:prstGeom>
+        </p:spPr>
+      </p:pic>
+    </p:spTree>
+    <p:extLst>
+      <p:ext uri="{BB962C8B-B14F-4D97-AF65-F5344CB8AC3E}">
+        <p14:creationId xmlns:p14="http://schemas.microsoft.com/office/powerpoint/2010/main" val="863216360"/>
+      </p:ext>
+    </p:extLst>
+  </p:cSld>
+  <p:clrMapOvr>
+    <a:masterClrMapping/>
+  </p:clrMapOvr>
+</p:sld>
+</file>
+
+<file path=ppt/slides/slide6.xml><?xml version="1.0" encoding="utf-8"?>
+<p:sld xmlns:a="http://schemas.openxmlformats.org/drawingml/2006/main" xmlns:r="http://schemas.openxmlformats.org/officeDocument/2006/relationships" xmlns:p="http://schemas.openxmlformats.org/presentationml/2006/main">
+  <p:cSld>
+    <p:bg>
+      <p:bgPr>
+        <a:solidFill>
+          <a:schemeClr val="bg1"/>
+        </a:solidFill>
+        <a:effectLst/>
+      </p:bgPr>
+    </p:bg>
+    <p:spTree>
+      <p:nvGrpSpPr>
+        <p:cNvPr id="1" name=""/>
+        <p:cNvGrpSpPr/>
+        <p:nvPr/>
+      </p:nvGrpSpPr>
+      <p:grpSpPr>
+        <a:xfrm>
+          <a:off x="0" y="0"/>
+          <a:ext cx="0" cy="0"/>
+          <a:chOff x="0" y="0"/>
+          <a:chExt cx="0" cy="0"/>
+        </a:xfrm>
+      </p:grpSpPr>
+      <p:sp>
+        <p:nvSpPr>
+          <p:cNvPr id="13" name="Rectangle 12">
+            <a:extLst>
+              <a:ext uri="{FF2B5EF4-FFF2-40B4-BE49-F238E27FC236}">
+                <a16:creationId xmlns:a16="http://schemas.microsoft.com/office/drawing/2014/main" id="{867D4867-5BA7-4462-B2F6-A23F4A622AA7}"/>
+              </a:ext>
+            </a:extLst>
+          </p:cNvPr>
+          <p:cNvSpPr>
+            <a:spLocks noGrp="1" noRot="1" noChangeAspect="1" noMove="1" noResize="1" noEditPoints="1" noAdjustHandles="1" noChangeArrowheads="1" noChangeShapeType="1" noTextEdit="1"/>
+          </p:cNvSpPr>
+          <p:nvPr>
+            <p:extLst>
+              <p:ext uri="{386F3935-93C4-4BCD-93E2-E3B085C9AB24}">
+                <p16:designElem xmlns:p16="http://schemas.microsoft.com/office/powerpoint/2015/main" val="1"/>
+              </p:ext>
+            </p:extLst>
+          </p:nvPr>
+        </p:nvSpPr>
+        <p:spPr>
+          <a:xfrm>
+            <a:off x="0" y="0"/>
+            <a:ext cx="4654296" cy="6858000"/>
+          </a:xfrm>
+          <a:prstGeom prst="rect">
+            <a:avLst/>
+          </a:prstGeom>
+          <a:solidFill>
+            <a:schemeClr val="tx1">
+              <a:lumMod val="75000"/>
+              <a:lumOff val="25000"/>
+            </a:schemeClr>
+          </a:solidFill>
+          <a:ln>
+            <a:noFill/>
+          </a:ln>
+        </p:spPr>
+        <p:style>
+          <a:lnRef idx="0">
+            <a:scrgbClr r="0" g="0" b="0"/>
+          </a:lnRef>
+          <a:fillRef idx="0">
+            <a:scrgbClr r="0" g="0" b="0"/>
+          </a:fillRef>
+          <a:effectRef idx="0">
+            <a:scrgbClr r="0" g="0" b="0"/>
+          </a:effectRef>
+          <a:fontRef idx="minor">
+            <a:schemeClr val="lt1"/>
+          </a:fontRef>
+        </p:style>
+        <p:txBody>
+          <a:bodyPr rtlCol="0" anchor="ctr"/>
+          <a:lstStyle/>
+          <a:p>
+            <a:pPr algn="ctr"/>
+            <a:endParaRPr lang="en-US"/>
+          </a:p>
+        </p:txBody>
+      </p:sp>
+      <p:sp>
+        <p:nvSpPr>
+          <p:cNvPr id="2" name="Titel 1">
+            <a:extLst>
+              <a:ext uri="{FF2B5EF4-FFF2-40B4-BE49-F238E27FC236}">
+                <a16:creationId xmlns:a16="http://schemas.microsoft.com/office/drawing/2014/main" id="{3E1A747B-9675-4981-ACB2-9927B952BFB3}"/>
+              </a:ext>
+            </a:extLst>
+          </p:cNvPr>
+          <p:cNvSpPr>
+            <a:spLocks noGrp="1"/>
+          </p:cNvSpPr>
+          <p:nvPr>
+            <p:ph type="title"/>
+          </p:nvPr>
+        </p:nvSpPr>
+        <p:spPr>
+          <a:xfrm>
+            <a:off x="643467" y="643467"/>
+            <a:ext cx="3363974" cy="1597315"/>
+          </a:xfrm>
+          <a:noFill/>
+          <a:ln w="19050">
+            <a:solidFill>
+              <a:schemeClr val="bg1"/>
+            </a:solidFill>
+          </a:ln>
+        </p:spPr>
+        <p:txBody>
+          <a:bodyPr wrap="square">
+            <a:normAutofit/>
+          </a:bodyPr>
+          <a:lstStyle/>
+          <a:p>
+            <a:pPr algn="ctr"/>
+            <a:r>
+              <a:rPr lang="en-US" sz="2800" dirty="0">
+                <a:solidFill>
+                  <a:schemeClr val="bg1"/>
+                </a:solidFill>
+              </a:rPr>
+              <a:t>Package Fading</a:t>
+            </a:r>
+            <a:endParaRPr lang="en-DK" sz="2800" dirty="0">
+              <a:solidFill>
+                <a:schemeClr val="bg1"/>
+              </a:solidFill>
+            </a:endParaRPr>
+          </a:p>
+        </p:txBody>
+      </p:sp>
+      <p:sp>
+        <p:nvSpPr>
+          <p:cNvPr id="14" name="Content Placeholder 9">
+            <a:extLst>
+              <a:ext uri="{FF2B5EF4-FFF2-40B4-BE49-F238E27FC236}">
+                <a16:creationId xmlns:a16="http://schemas.microsoft.com/office/drawing/2014/main" id="{F6FD5C6F-1FDA-48CD-BEC0-12B68866E584}"/>
+              </a:ext>
+            </a:extLst>
+          </p:cNvPr>
+          <p:cNvSpPr>
+            <a:spLocks noGrp="1"/>
+          </p:cNvSpPr>
+          <p:nvPr>
+            <p:ph idx="1"/>
+          </p:nvPr>
+        </p:nvSpPr>
+        <p:spPr>
+          <a:xfrm>
+            <a:off x="643468" y="2638044"/>
+            <a:ext cx="3363974" cy="3415622"/>
+          </a:xfrm>
+        </p:spPr>
+        <p:txBody>
+          <a:bodyPr>
+            <a:normAutofit/>
+          </a:bodyPr>
+          <a:lstStyle/>
+          <a:p>
+            <a:r>
+              <a:rPr lang="en-US" sz="2000" dirty="0">
+                <a:solidFill>
+                  <a:schemeClr val="bg1"/>
+                </a:solidFill>
+              </a:rPr>
+              <a:t>1 lab at the track</a:t>
+            </a:r>
+          </a:p>
+          <a:p>
+            <a:pPr lvl="1"/>
+            <a:r>
+              <a:rPr lang="en-US" sz="1600" dirty="0">
+                <a:solidFill>
+                  <a:schemeClr val="bg1"/>
+                </a:solidFill>
+              </a:rPr>
+              <a:t>-84dBm threshold level</a:t>
+            </a:r>
+          </a:p>
+          <a:p>
+            <a:pPr lvl="1"/>
+            <a:r>
+              <a:rPr lang="en-US" sz="1600" dirty="0">
+                <a:solidFill>
+                  <a:schemeClr val="bg1"/>
+                </a:solidFill>
+              </a:rPr>
+              <a:t>480 packages (4/sec)</a:t>
+            </a:r>
+          </a:p>
+          <a:p>
+            <a:pPr lvl="1"/>
+            <a:r>
+              <a:rPr lang="en-US" sz="1600" dirty="0">
+                <a:solidFill>
+                  <a:schemeClr val="bg1"/>
+                </a:solidFill>
+              </a:rPr>
+              <a:t>Level crossing rate at 0.2</a:t>
+            </a:r>
+            <a:endParaRPr lang="en-US" sz="2000" dirty="0">
+              <a:solidFill>
+                <a:schemeClr val="bg1"/>
+              </a:solidFill>
+            </a:endParaRPr>
+          </a:p>
+          <a:p>
+            <a:r>
+              <a:rPr lang="en-US" sz="2000" dirty="0">
+                <a:solidFill>
+                  <a:schemeClr val="bg1"/>
+                </a:solidFill>
+              </a:rPr>
+              <a:t>Marathon</a:t>
+            </a:r>
+          </a:p>
+          <a:p>
+            <a:pPr lvl="1"/>
+            <a:r>
+              <a:rPr lang="en-US" sz="1600" dirty="0">
+                <a:solidFill>
+                  <a:schemeClr val="bg1"/>
+                </a:solidFill>
+              </a:rPr>
+              <a:t>47 labs</a:t>
+            </a:r>
+          </a:p>
+          <a:p>
+            <a:pPr lvl="1"/>
+            <a:r>
+              <a:rPr lang="en-US" sz="1600" dirty="0">
+                <a:solidFill>
+                  <a:schemeClr val="bg1"/>
+                </a:solidFill>
+              </a:rPr>
+              <a:t>1087 Packages</a:t>
+            </a:r>
+            <a:endParaRPr lang="en-US" sz="2000" dirty="0">
+              <a:solidFill>
+                <a:schemeClr val="bg1"/>
+              </a:solidFill>
+            </a:endParaRPr>
+          </a:p>
+          <a:p>
+            <a:r>
+              <a:rPr lang="en-US" sz="2000" dirty="0">
+                <a:solidFill>
+                  <a:schemeClr val="bg1"/>
+                </a:solidFill>
+              </a:rPr>
+              <a:t>IN RANGE direct or relayed package for half a track</a:t>
+            </a:r>
+          </a:p>
+        </p:txBody>
+      </p:sp>
+      <p:pic>
+        <p:nvPicPr>
+          <p:cNvPr id="7" name="Picture 6">
+            <a:extLst>
+              <a:ext uri="{FF2B5EF4-FFF2-40B4-BE49-F238E27FC236}">
+                <a16:creationId xmlns:a16="http://schemas.microsoft.com/office/drawing/2014/main" id="{E7807DF7-F24A-40B9-8828-E41C422461EB}"/>
+              </a:ext>
+            </a:extLst>
+          </p:cNvPr>
+          <p:cNvPicPr/>
+          <p:nvPr/>
+        </p:nvPicPr>
+        <p:blipFill>
+          <a:blip r:embed="rId2"/>
+          <a:stretch>
+            <a:fillRect/>
+          </a:stretch>
+        </p:blipFill>
+        <p:spPr>
+          <a:xfrm>
+            <a:off x="4731590" y="0"/>
+            <a:ext cx="7460410" cy="3021106"/>
+          </a:xfrm>
+          <a:prstGeom prst="rect">
+            <a:avLst/>
+          </a:prstGeom>
+        </p:spPr>
+      </p:pic>
+      <p:pic>
+        <p:nvPicPr>
+          <p:cNvPr id="8" name="Picture 7">
+            <a:extLst>
+              <a:ext uri="{FF2B5EF4-FFF2-40B4-BE49-F238E27FC236}">
+                <a16:creationId xmlns:a16="http://schemas.microsoft.com/office/drawing/2014/main" id="{8A53F9F8-B224-4ADD-9954-5898B41D8C71}"/>
+              </a:ext>
+            </a:extLst>
+          </p:cNvPr>
+          <p:cNvPicPr/>
+          <p:nvPr/>
+        </p:nvPicPr>
+        <p:blipFill>
+          <a:blip r:embed="rId3"/>
+          <a:stretch>
+            <a:fillRect/>
+          </a:stretch>
+        </p:blipFill>
+        <p:spPr>
+          <a:xfrm>
+            <a:off x="4650910" y="2964428"/>
+            <a:ext cx="7541090" cy="3902131"/>
+          </a:xfrm>
+          <a:prstGeom prst="rect">
+            <a:avLst/>
+          </a:prstGeom>
+        </p:spPr>
+      </p:pic>
+    </p:spTree>
+    <p:extLst>
+      <p:ext uri="{BB962C8B-B14F-4D97-AF65-F5344CB8AC3E}">
+        <p14:creationId xmlns:p14="http://schemas.microsoft.com/office/powerpoint/2010/main" val="807736619"/>
+      </p:ext>
+    </p:extLst>
+  </p:cSld>
+  <p:clrMapOvr>
+    <a:masterClrMapping/>
+  </p:clrMapOvr>
+</p:sld>
+</file>
+
+<file path=ppt/slides/slide7.xml><?xml version="1.0" encoding="utf-8"?>
+<p:sld xmlns:a="http://schemas.openxmlformats.org/drawingml/2006/main" xmlns:r="http://schemas.openxmlformats.org/officeDocument/2006/relationships" xmlns:p="http://schemas.openxmlformats.org/presentationml/2006/main">
+  <p:cSld>
+    <p:bg>
+      <p:bgPr>
+        <a:solidFill>
+          <a:schemeClr val="bg1">
+            <a:tint val="95000"/>
+            <a:satMod val="170000"/>
+          </a:schemeClr>
+        </a:solidFill>
+        <a:effectLst/>
+      </p:bgPr>
+    </p:bg>
+    <p:spTree>
+      <p:nvGrpSpPr>
+        <p:cNvPr id="1" name=""/>
+        <p:cNvGrpSpPr/>
+        <p:nvPr/>
+      </p:nvGrpSpPr>
+      <p:grpSpPr>
+        <a:xfrm>
+          <a:off x="0" y="0"/>
+          <a:ext cx="0" cy="0"/>
+          <a:chOff x="0" y="0"/>
+          <a:chExt cx="0" cy="0"/>
+        </a:xfrm>
+      </p:grpSpPr>
+      <p:sp>
+        <p:nvSpPr>
+          <p:cNvPr id="28" name="Freeform: Shape 27">
+            <a:extLst>
+              <a:ext uri="{FF2B5EF4-FFF2-40B4-BE49-F238E27FC236}">
+                <a16:creationId xmlns:a16="http://schemas.microsoft.com/office/drawing/2014/main" id="{E862BE82-D00D-42C1-BF16-93AA37870C32}"/>
+              </a:ext>
+            </a:extLst>
+          </p:cNvPr>
+          <p:cNvSpPr>
+            <a:spLocks noGrp="1" noRot="1" noChangeAspect="1" noMove="1" noResize="1" noEditPoints="1" noAdjustHandles="1" noChangeArrowheads="1" noChangeShapeType="1" noTextEdit="1"/>
+          </p:cNvSpPr>
+          <p:nvPr>
+            <p:extLst>
+              <p:ext uri="{386F3935-93C4-4BCD-93E2-E3B085C9AB24}">
+                <p16:designElem xmlns:p16="http://schemas.microsoft.com/office/powerpoint/2015/main" val="1"/>
+              </p:ext>
+            </p:extLst>
+          </p:nvPr>
+        </p:nvSpPr>
+        <p:spPr>
+          <a:xfrm>
+            <a:off x="0" y="-2008"/>
+            <a:ext cx="5609220" cy="5840278"/>
+          </a:xfrm>
+          <a:custGeom>
+            <a:avLst/>
+            <a:gdLst>
+              <a:gd name="connsiteX0" fmla="*/ 0 w 5609220"/>
+              <a:gd name="connsiteY0" fmla="*/ 0 h 5840278"/>
+              <a:gd name="connsiteX1" fmla="*/ 4637091 w 5609220"/>
+              <a:gd name="connsiteY1" fmla="*/ 0 h 5840278"/>
+              <a:gd name="connsiteX2" fmla="*/ 4822569 w 5609220"/>
+              <a:gd name="connsiteY2" fmla="*/ 204077 h 5840278"/>
+              <a:gd name="connsiteX3" fmla="*/ 5609220 w 5609220"/>
+              <a:gd name="connsiteY3" fmla="*/ 2395363 h 5840278"/>
+              <a:gd name="connsiteX4" fmla="*/ 2164305 w 5609220"/>
+              <a:gd name="connsiteY4" fmla="*/ 5840278 h 5840278"/>
+              <a:gd name="connsiteX5" fmla="*/ 238220 w 5609220"/>
+              <a:gd name="connsiteY5" fmla="*/ 5251941 h 5840278"/>
+              <a:gd name="connsiteX6" fmla="*/ 0 w 5609220"/>
+              <a:gd name="connsiteY6" fmla="*/ 5073803 h 5840278"/>
+            </a:gdLst>
+            <a:ahLst/>
+            <a:cxnLst>
+              <a:cxn ang="0">
+                <a:pos x="connsiteX0" y="connsiteY0"/>
+              </a:cxn>
+              <a:cxn ang="0">
+                <a:pos x="connsiteX1" y="connsiteY1"/>
+              </a:cxn>
+              <a:cxn ang="0">
+                <a:pos x="connsiteX2" y="connsiteY2"/>
+              </a:cxn>
+              <a:cxn ang="0">
+                <a:pos x="connsiteX3" y="connsiteY3"/>
+              </a:cxn>
+              <a:cxn ang="0">
+                <a:pos x="connsiteX4" y="connsiteY4"/>
+              </a:cxn>
+              <a:cxn ang="0">
+                <a:pos x="connsiteX5" y="connsiteY5"/>
+              </a:cxn>
+              <a:cxn ang="0">
+                <a:pos x="connsiteX6" y="connsiteY6"/>
+              </a:cxn>
+            </a:cxnLst>
+            <a:rect l="l" t="t" r="r" b="b"/>
+            <a:pathLst>
+              <a:path w="5609220" h="5840278">
+                <a:moveTo>
+                  <a:pt x="0" y="0"/>
+                </a:moveTo>
+                <a:lnTo>
+                  <a:pt x="4637091" y="0"/>
+                </a:lnTo>
+                <a:lnTo>
+                  <a:pt x="4822569" y="204077"/>
+                </a:lnTo>
+                <a:cubicBezTo>
+                  <a:pt x="5314007" y="799562"/>
+                  <a:pt x="5609220" y="1562987"/>
+                  <a:pt x="5609220" y="2395363"/>
+                </a:cubicBezTo>
+                <a:cubicBezTo>
+                  <a:pt x="5609220" y="4297937"/>
+                  <a:pt x="4066879" y="5840278"/>
+                  <a:pt x="2164305" y="5840278"/>
+                </a:cubicBezTo>
+                <a:cubicBezTo>
+                  <a:pt x="1450840" y="5840278"/>
+                  <a:pt x="788032" y="5623387"/>
+                  <a:pt x="238220" y="5251941"/>
+                </a:cubicBezTo>
+                <a:lnTo>
+                  <a:pt x="0" y="5073803"/>
+                </a:lnTo>
+                <a:close/>
+              </a:path>
+            </a:pathLst>
+          </a:custGeom>
+          <a:solidFill>
+            <a:schemeClr val="tx1">
+              <a:alpha val="20000"/>
+            </a:schemeClr>
+          </a:solidFill>
+          <a:ln>
+            <a:noFill/>
+          </a:ln>
+        </p:spPr>
+        <p:style>
+          <a:lnRef idx="2">
+            <a:schemeClr val="accent1">
+              <a:shade val="50000"/>
+            </a:schemeClr>
+          </a:lnRef>
+          <a:fillRef idx="1">
+            <a:schemeClr val="accent1"/>
+          </a:fillRef>
+          <a:effectRef idx="0">
+            <a:schemeClr val="accent1"/>
+          </a:effectRef>
+          <a:fontRef idx="minor">
+            <a:schemeClr val="lt1"/>
+          </a:fontRef>
+        </p:style>
+        <p:txBody>
+          <a:bodyPr rtlCol="0" anchor="ctr"/>
+          <a:lstStyle/>
+          <a:p>
+            <a:pPr marL="0" marR="0" lvl="0" indent="0" algn="ctr" defTabSz="914400" rtl="0" eaLnBrk="1" fontAlgn="auto" latinLnBrk="0" hangingPunct="1">
+              <a:lnSpc>
+                <a:spcPct val="100000"/>
+              </a:lnSpc>
+              <a:spcBef>
+                <a:spcPts val="0"/>
+              </a:spcBef>
+              <a:spcAft>
+                <a:spcPts val="0"/>
+              </a:spcAft>
+              <a:buClrTx/>
+              <a:buSzTx/>
+              <a:buFontTx/>
+              <a:buNone/>
+              <a:tabLst/>
+              <a:defRPr/>
+            </a:pPr>
+            <a:endParaRPr kumimoji="0" lang="en-US" sz="1800" b="0" i="0" u="none" strike="noStrike" kern="1200" cap="none" spc="0" normalizeH="0" baseline="0" noProof="0">
+              <a:ln>
+                <a:noFill/>
+              </a:ln>
+              <a:solidFill>
+                <a:prstClr val="white"/>
+              </a:solidFill>
+              <a:effectLst/>
+              <a:uLnTx/>
+              <a:uFillTx/>
+              <a:latin typeface="Calibri" panose="020F0502020204030204"/>
+              <a:ea typeface="+mn-ea"/>
+              <a:cs typeface="+mn-cs"/>
+            </a:endParaRPr>
+          </a:p>
+        </p:txBody>
+      </p:sp>
+      <p:sp>
+        <p:nvSpPr>
+          <p:cNvPr id="30" name="Freeform: Shape 29">
+            <a:extLst>
+              <a:ext uri="{FF2B5EF4-FFF2-40B4-BE49-F238E27FC236}">
+                <a16:creationId xmlns:a16="http://schemas.microsoft.com/office/drawing/2014/main" id="{F6D92C2D-1D3D-4974-918C-06579FB354A9}"/>
+              </a:ext>
+            </a:extLst>
+          </p:cNvPr>
+          <p:cNvSpPr>
+            <a:spLocks noGrp="1" noRot="1" noChangeAspect="1" noMove="1" noResize="1" noEditPoints="1" noAdjustHandles="1" noChangeArrowheads="1" noChangeShapeType="1" noTextEdit="1"/>
+          </p:cNvSpPr>
+          <p:nvPr>
+            <p:extLst>
+              <p:ext uri="{386F3935-93C4-4BCD-93E2-E3B085C9AB24}">
+                <p16:designElem xmlns:p16="http://schemas.microsoft.com/office/powerpoint/2015/main" val="1"/>
+              </p:ext>
+            </p:extLst>
+          </p:nvPr>
+        </p:nvSpPr>
+        <p:spPr>
+          <a:xfrm>
+            <a:off x="-2333" y="-2"/>
+            <a:ext cx="5441859" cy="5654940"/>
+          </a:xfrm>
+          <a:custGeom>
+            <a:avLst/>
+            <a:gdLst>
+              <a:gd name="connsiteX0" fmla="*/ 0 w 5441859"/>
+              <a:gd name="connsiteY0" fmla="*/ 0 h 5654940"/>
+              <a:gd name="connsiteX1" fmla="*/ 4400492 w 5441859"/>
+              <a:gd name="connsiteY1" fmla="*/ 0 h 5654940"/>
+              <a:gd name="connsiteX2" fmla="*/ 4484767 w 5441859"/>
+              <a:gd name="connsiteY2" fmla="*/ 76595 h 5654940"/>
+              <a:gd name="connsiteX3" fmla="*/ 5441859 w 5441859"/>
+              <a:gd name="connsiteY3" fmla="*/ 2387221 h 5654940"/>
+              <a:gd name="connsiteX4" fmla="*/ 2174140 w 5441859"/>
+              <a:gd name="connsiteY4" fmla="*/ 5654940 h 5654940"/>
+              <a:gd name="connsiteX5" fmla="*/ 156693 w 5441859"/>
+              <a:gd name="connsiteY5" fmla="*/ 4957981 h 5654940"/>
+              <a:gd name="connsiteX6" fmla="*/ 0 w 5441859"/>
+              <a:gd name="connsiteY6" fmla="*/ 4820612 h 5654940"/>
+            </a:gdLst>
+            <a:ahLst/>
+            <a:cxnLst>
+              <a:cxn ang="0">
+                <a:pos x="connsiteX0" y="connsiteY0"/>
+              </a:cxn>
+              <a:cxn ang="0">
+                <a:pos x="connsiteX1" y="connsiteY1"/>
+              </a:cxn>
+              <a:cxn ang="0">
+                <a:pos x="connsiteX2" y="connsiteY2"/>
+              </a:cxn>
+              <a:cxn ang="0">
+                <a:pos x="connsiteX3" y="connsiteY3"/>
+              </a:cxn>
+              <a:cxn ang="0">
+                <a:pos x="connsiteX4" y="connsiteY4"/>
+              </a:cxn>
+              <a:cxn ang="0">
+                <a:pos x="connsiteX5" y="connsiteY5"/>
+              </a:cxn>
+              <a:cxn ang="0">
+                <a:pos x="connsiteX6" y="connsiteY6"/>
+              </a:cxn>
+            </a:cxnLst>
+            <a:rect l="l" t="t" r="r" b="b"/>
+            <a:pathLst>
+              <a:path w="5441859" h="5654940">
+                <a:moveTo>
+                  <a:pt x="0" y="0"/>
+                </a:moveTo>
+                <a:lnTo>
+                  <a:pt x="4400492" y="0"/>
+                </a:lnTo>
+                <a:lnTo>
+                  <a:pt x="4484767" y="76595"/>
+                </a:lnTo>
+                <a:cubicBezTo>
+                  <a:pt x="5076108" y="667936"/>
+                  <a:pt x="5441859" y="1484866"/>
+                  <a:pt x="5441859" y="2387221"/>
+                </a:cubicBezTo>
+                <a:cubicBezTo>
+                  <a:pt x="5441859" y="4191932"/>
+                  <a:pt x="3978851" y="5654940"/>
+                  <a:pt x="2174140" y="5654940"/>
+                </a:cubicBezTo>
+                <a:cubicBezTo>
+                  <a:pt x="1412778" y="5654940"/>
+                  <a:pt x="712231" y="5394557"/>
+                  <a:pt x="156693" y="4957981"/>
+                </a:cubicBezTo>
+                <a:lnTo>
+                  <a:pt x="0" y="4820612"/>
+                </a:lnTo>
+                <a:close/>
+              </a:path>
+            </a:pathLst>
+          </a:custGeom>
+          <a:solidFill>
+            <a:schemeClr val="bg1">
+              <a:lumMod val="95000"/>
+              <a:lumOff val="5000"/>
+              <a:alpha val="80000"/>
+            </a:schemeClr>
+          </a:solidFill>
+          <a:ln>
+            <a:noFill/>
+          </a:ln>
+        </p:spPr>
+        <p:style>
+          <a:lnRef idx="2">
+            <a:schemeClr val="accent1">
+              <a:shade val="50000"/>
+            </a:schemeClr>
+          </a:lnRef>
+          <a:fillRef idx="1">
+            <a:schemeClr val="accent1"/>
+          </a:fillRef>
+          <a:effectRef idx="0">
+            <a:schemeClr val="accent1"/>
+          </a:effectRef>
+          <a:fontRef idx="minor">
+            <a:schemeClr val="lt1"/>
+          </a:fontRef>
+        </p:style>
+        <p:txBody>
+          <a:bodyPr rtlCol="0" anchor="ctr"/>
+          <a:lstStyle/>
+          <a:p>
+            <a:pPr marL="0" marR="0" lvl="0" indent="0" algn="ctr" defTabSz="914400" rtl="0" eaLnBrk="1" fontAlgn="auto" latinLnBrk="0" hangingPunct="1">
+              <a:lnSpc>
+                <a:spcPct val="100000"/>
+              </a:lnSpc>
+              <a:spcBef>
+                <a:spcPts val="0"/>
+              </a:spcBef>
+              <a:spcAft>
+                <a:spcPts val="0"/>
+              </a:spcAft>
+              <a:buClrTx/>
+              <a:buSzTx/>
+              <a:buFontTx/>
+              <a:buNone/>
+              <a:tabLst/>
+              <a:defRPr/>
+            </a:pPr>
+            <a:endParaRPr kumimoji="0" lang="en-US" sz="1800" b="0" i="0" u="none" strike="noStrike" kern="1200" cap="none" spc="0" normalizeH="0" baseline="0" noProof="0">
+              <a:ln>
+                <a:noFill/>
+              </a:ln>
+              <a:solidFill>
+                <a:prstClr val="white"/>
+              </a:solidFill>
+              <a:effectLst/>
+              <a:uLnTx/>
+              <a:uFillTx/>
+              <a:latin typeface="Calibri" panose="020F0502020204030204"/>
+              <a:ea typeface="+mn-ea"/>
+              <a:cs typeface="+mn-cs"/>
+            </a:endParaRPr>
+          </a:p>
+        </p:txBody>
+      </p:sp>
+      <p:pic>
+        <p:nvPicPr>
+          <p:cNvPr id="9" name="Picture 8">
+            <a:extLst>
+              <a:ext uri="{FF2B5EF4-FFF2-40B4-BE49-F238E27FC236}">
+                <a16:creationId xmlns:a16="http://schemas.microsoft.com/office/drawing/2014/main" id="{B29B5DD1-0262-4872-844E-5166BEC99EC6}"/>
+              </a:ext>
+            </a:extLst>
+          </p:cNvPr>
+          <p:cNvPicPr/>
+          <p:nvPr/>
+        </p:nvPicPr>
+        <p:blipFill>
+          <a:blip r:embed="rId2"/>
+          <a:stretch>
+            <a:fillRect/>
+          </a:stretch>
+        </p:blipFill>
+        <p:spPr>
+          <a:xfrm>
+            <a:off x="6038101" y="1230004"/>
+            <a:ext cx="5510771" cy="4105066"/>
+          </a:xfrm>
+          <a:prstGeom prst="rect">
+            <a:avLst/>
+          </a:prstGeom>
+        </p:spPr>
+      </p:pic>
+      <p:sp>
+        <p:nvSpPr>
+          <p:cNvPr id="2" name="Titel 1">
+            <a:extLst>
+              <a:ext uri="{FF2B5EF4-FFF2-40B4-BE49-F238E27FC236}">
+                <a16:creationId xmlns:a16="http://schemas.microsoft.com/office/drawing/2014/main" id="{3E1A747B-9675-4981-ACB2-9927B952BFB3}"/>
+              </a:ext>
+            </a:extLst>
+          </p:cNvPr>
+          <p:cNvSpPr>
+            <a:spLocks noGrp="1"/>
+          </p:cNvSpPr>
+          <p:nvPr>
+            <p:ph type="title"/>
+          </p:nvPr>
+        </p:nvSpPr>
+        <p:spPr>
+          <a:xfrm>
+            <a:off x="750242" y="632990"/>
+            <a:ext cx="4062643" cy="1043409"/>
+          </a:xfrm>
+        </p:spPr>
+        <p:txBody>
+          <a:bodyPr>
+            <a:normAutofit/>
+          </a:bodyPr>
+          <a:lstStyle/>
+          <a:p>
+            <a:r>
+              <a:rPr lang="en-US" sz="3600" dirty="0" err="1"/>
+              <a:t>ToHopOrNot</a:t>
+            </a:r>
+            <a:endParaRPr lang="en-DK" sz="3600" dirty="0"/>
+          </a:p>
+        </p:txBody>
+      </p:sp>
+      <p:sp>
+        <p:nvSpPr>
+          <p:cNvPr id="14" name="Content Placeholder 9">
+            <a:extLst>
+              <a:ext uri="{FF2B5EF4-FFF2-40B4-BE49-F238E27FC236}">
+                <a16:creationId xmlns:a16="http://schemas.microsoft.com/office/drawing/2014/main" id="{F6FD5C6F-1FDA-48CD-BEC0-12B68866E584}"/>
+              </a:ext>
+            </a:extLst>
+          </p:cNvPr>
+          <p:cNvSpPr>
+            <a:spLocks noGrp="1"/>
+          </p:cNvSpPr>
+          <p:nvPr>
+            <p:ph idx="1"/>
+          </p:nvPr>
+        </p:nvSpPr>
+        <p:spPr>
+          <a:xfrm>
+            <a:off x="518474" y="1774372"/>
+            <a:ext cx="4064409" cy="2672122"/>
+          </a:xfrm>
+        </p:spPr>
+        <p:txBody>
+          <a:bodyPr anchor="t">
+            <a:normAutofit fontScale="92500"/>
+          </a:bodyPr>
+          <a:lstStyle/>
+          <a:p>
+            <a:r>
+              <a:rPr lang="en-US" sz="1800" dirty="0"/>
+              <a:t>Will the next package be bad?</a:t>
+            </a:r>
+          </a:p>
+          <a:p>
+            <a:pPr lvl="1"/>
+            <a:r>
+              <a:rPr lang="en-US" sz="1400" dirty="0"/>
+              <a:t>Signal strength</a:t>
+            </a:r>
+          </a:p>
+          <a:p>
+            <a:pPr lvl="1"/>
+            <a:r>
+              <a:rPr lang="en-US" sz="1400" dirty="0"/>
+              <a:t>Distance</a:t>
+            </a:r>
+          </a:p>
+          <a:p>
+            <a:pPr lvl="1"/>
+            <a:r>
+              <a:rPr lang="en-US" sz="1400" dirty="0"/>
+              <a:t>Received or not package</a:t>
+            </a:r>
+          </a:p>
+          <a:p>
+            <a:r>
+              <a:rPr lang="en-US" sz="1800" dirty="0"/>
+              <a:t>Multi linear regression</a:t>
+            </a:r>
+          </a:p>
+          <a:p>
+            <a:pPr lvl="1"/>
+            <a:r>
+              <a:rPr lang="en-US" sz="1400" dirty="0"/>
+              <a:t>Isotropic Antenna</a:t>
+            </a:r>
+          </a:p>
+          <a:p>
+            <a:pPr lvl="1"/>
+            <a:r>
+              <a:rPr lang="en-US" sz="1400" dirty="0"/>
+              <a:t>Binary fading behavior</a:t>
+            </a:r>
+          </a:p>
+          <a:p>
+            <a:pPr lvl="1"/>
+            <a:r>
+              <a:rPr lang="en-US" sz="1400" dirty="0"/>
+              <a:t>Modeled as a random variable at any distance</a:t>
+            </a:r>
+          </a:p>
+          <a:p>
+            <a:r>
+              <a:rPr lang="en-US" sz="1800" dirty="0"/>
+              <a:t>Could be fun to do a real-life experiment</a:t>
+            </a:r>
+            <a:r>
+              <a:rPr lang="en-US" sz="2200" dirty="0"/>
+              <a:t>!</a:t>
+            </a:r>
+            <a:endParaRPr lang="en-US" sz="1800" dirty="0"/>
+          </a:p>
+        </p:txBody>
+      </p:sp>
+    </p:spTree>
+    <p:extLst>
+      <p:ext uri="{BB962C8B-B14F-4D97-AF65-F5344CB8AC3E}">
+        <p14:creationId xmlns:p14="http://schemas.microsoft.com/office/powerpoint/2010/main" val="826603207"/>
+      </p:ext>
+    </p:extLst>
+  </p:cSld>
+  <p:clrMapOvr>
+    <a:overrideClrMapping bg1="dk1" tx1="lt1" bg2="dk2" tx2="lt2" accent1="accent1" accent2="accent2" accent3="accent3" accent4="accent4" accent5="accent5" accent6="accent6" hlink="hlink" folHlink="folHlink"/>
+  </p:clrMapOvr>
+</p:sld>
+</file>
+
+<file path=ppt/slides/slide8.xml><?xml version="1.0" encoding="utf-8"?>
+<p:sld xmlns:a="http://schemas.openxmlformats.org/drawingml/2006/main" xmlns:r="http://schemas.openxmlformats.org/officeDocument/2006/relationships" xmlns:p="http://schemas.openxmlformats.org/presentationml/2006/main">
+  <p:cSld>
+    <p:bg>
+      <p:bgPr>
+        <a:solidFill>
+          <a:schemeClr val="bg1"/>
+        </a:solidFill>
+        <a:effectLst/>
+      </p:bgPr>
+    </p:bg>
+    <p:spTree>
+      <p:nvGrpSpPr>
+        <p:cNvPr id="1" name=""/>
+        <p:cNvGrpSpPr/>
+        <p:nvPr/>
+      </p:nvGrpSpPr>
+      <p:grpSpPr>
+        <a:xfrm>
+          <a:off x="0" y="0"/>
+          <a:ext cx="0" cy="0"/>
+          <a:chOff x="0" y="0"/>
+          <a:chExt cx="0" cy="0"/>
+        </a:xfrm>
+      </p:grpSpPr>
+      <p:sp>
+        <p:nvSpPr>
+          <p:cNvPr id="17" name="Rectangle 16">
+            <a:extLst>
+              <a:ext uri="{FF2B5EF4-FFF2-40B4-BE49-F238E27FC236}">
+                <a16:creationId xmlns:a16="http://schemas.microsoft.com/office/drawing/2014/main" id="{867D4867-5BA7-4462-B2F6-A23F4A622AA7}"/>
+              </a:ext>
+            </a:extLst>
+          </p:cNvPr>
+          <p:cNvSpPr>
+            <a:spLocks noGrp="1" noRot="1" noChangeAspect="1" noMove="1" noResize="1" noEditPoints="1" noAdjustHandles="1" noChangeArrowheads="1" noChangeShapeType="1" noTextEdit="1"/>
+          </p:cNvSpPr>
+          <p:nvPr>
+            <p:extLst>
+              <p:ext uri="{386F3935-93C4-4BCD-93E2-E3B085C9AB24}">
+                <p16:designElem xmlns:p16="http://schemas.microsoft.com/office/powerpoint/2015/main" val="1"/>
+              </p:ext>
+            </p:extLst>
+          </p:nvPr>
+        </p:nvSpPr>
+        <p:spPr>
+          <a:xfrm>
+            <a:off x="0" y="0"/>
+            <a:ext cx="4654296" cy="6858000"/>
+          </a:xfrm>
+          <a:prstGeom prst="rect">
+            <a:avLst/>
+          </a:prstGeom>
+          <a:solidFill>
+            <a:schemeClr val="tx1">
+              <a:lumMod val="75000"/>
+              <a:lumOff val="25000"/>
+            </a:schemeClr>
+          </a:solidFill>
+          <a:ln>
+            <a:noFill/>
+          </a:ln>
+        </p:spPr>
+        <p:style>
+          <a:lnRef idx="0">
+            <a:scrgbClr r="0" g="0" b="0"/>
+          </a:lnRef>
+          <a:fillRef idx="0">
+            <a:scrgbClr r="0" g="0" b="0"/>
+          </a:fillRef>
+          <a:effectRef idx="0">
+            <a:scrgbClr r="0" g="0" b="0"/>
+          </a:effectRef>
+          <a:fontRef idx="minor">
+            <a:schemeClr val="lt1"/>
+          </a:fontRef>
+        </p:style>
+        <p:txBody>
+          <a:bodyPr rtlCol="0" anchor="ctr"/>
+          <a:lstStyle/>
+          <a:p>
+            <a:pPr algn="ctr"/>
+            <a:endParaRPr lang="en-US"/>
+          </a:p>
+        </p:txBody>
+      </p:sp>
+      <p:pic>
+        <p:nvPicPr>
+          <p:cNvPr id="4" name="Billede 3">
+            <a:extLst>
+              <a:ext uri="{FF2B5EF4-FFF2-40B4-BE49-F238E27FC236}">
+                <a16:creationId xmlns:a16="http://schemas.microsoft.com/office/drawing/2014/main" id="{587E7BFF-CF4C-46EF-8704-7F9784994B09}"/>
+              </a:ext>
+            </a:extLst>
+          </p:cNvPr>
+          <p:cNvPicPr>
+            <a:picLocks noChangeAspect="1"/>
+          </p:cNvPicPr>
+          <p:nvPr/>
+        </p:nvPicPr>
+        <p:blipFill>
+          <a:blip r:embed="rId2"/>
+          <a:stretch>
+            <a:fillRect/>
+          </a:stretch>
+        </p:blipFill>
+        <p:spPr>
+          <a:xfrm>
+            <a:off x="6076474" y="643467"/>
+            <a:ext cx="4693347" cy="5410199"/>
+          </a:xfrm>
+          <a:prstGeom prst="rect">
+            <a:avLst/>
+          </a:prstGeom>
+        </p:spPr>
+      </p:pic>
+      <p:sp>
+        <p:nvSpPr>
+          <p:cNvPr id="2" name="Titel 1">
+            <a:extLst>
+              <a:ext uri="{FF2B5EF4-FFF2-40B4-BE49-F238E27FC236}">
+                <a16:creationId xmlns:a16="http://schemas.microsoft.com/office/drawing/2014/main" id="{9FB4A506-2702-4600-A2CA-F98C4422D0FA}"/>
+              </a:ext>
+            </a:extLst>
+          </p:cNvPr>
+          <p:cNvSpPr>
+            <a:spLocks noGrp="1"/>
+          </p:cNvSpPr>
+          <p:nvPr>
+            <p:ph type="title"/>
+          </p:nvPr>
+        </p:nvSpPr>
+        <p:spPr>
+          <a:xfrm>
+            <a:off x="643467" y="643467"/>
+            <a:ext cx="3363974" cy="1597315"/>
+          </a:xfrm>
+          <a:noFill/>
+          <a:ln w="19050">
+            <a:solidFill>
+              <a:schemeClr val="bg1"/>
+            </a:solidFill>
+          </a:ln>
+        </p:spPr>
+        <p:txBody>
+          <a:bodyPr wrap="square">
+            <a:normAutofit/>
+          </a:bodyPr>
+          <a:lstStyle/>
+          <a:p>
+            <a:pPr algn="ctr"/>
+            <a:r>
+              <a:rPr lang="en-US" sz="2800" dirty="0">
+                <a:solidFill>
+                  <a:schemeClr val="bg1"/>
+                </a:solidFill>
+              </a:rPr>
+              <a:t>Power</a:t>
+            </a:r>
+            <a:endParaRPr lang="en-DK" sz="2800" dirty="0">
+              <a:solidFill>
+                <a:schemeClr val="bg1"/>
+              </a:solidFill>
+            </a:endParaRPr>
+          </a:p>
+        </p:txBody>
+      </p:sp>
+      <p:sp>
+        <p:nvSpPr>
+          <p:cNvPr id="9" name="Content Placeholder 8">
+            <a:extLst>
+              <a:ext uri="{FF2B5EF4-FFF2-40B4-BE49-F238E27FC236}">
+                <a16:creationId xmlns:a16="http://schemas.microsoft.com/office/drawing/2014/main" id="{CA83A435-01F2-4983-A087-5E0473CD6185}"/>
+              </a:ext>
+            </a:extLst>
+          </p:cNvPr>
+          <p:cNvSpPr>
+            <a:spLocks noGrp="1"/>
+          </p:cNvSpPr>
+          <p:nvPr>
+            <p:ph idx="1"/>
+          </p:nvPr>
+        </p:nvSpPr>
+        <p:spPr>
+          <a:xfrm>
+            <a:off x="643468" y="2638044"/>
+            <a:ext cx="3363974" cy="3415622"/>
+          </a:xfrm>
+        </p:spPr>
+        <p:txBody>
+          <a:bodyPr>
+            <a:normAutofit/>
+          </a:bodyPr>
+          <a:lstStyle/>
+          <a:p>
+            <a:r>
+              <a:rPr lang="en-US" sz="2000" dirty="0">
+                <a:solidFill>
+                  <a:schemeClr val="bg1"/>
+                </a:solidFill>
+              </a:rPr>
+              <a:t>Sending with -25DB</a:t>
+            </a:r>
+          </a:p>
+          <a:p>
+            <a:endParaRPr lang="en-US" sz="2000" dirty="0">
+              <a:solidFill>
+                <a:schemeClr val="bg1"/>
+              </a:solidFill>
+            </a:endParaRPr>
+          </a:p>
+          <a:p>
+            <a:r>
+              <a:rPr lang="en-US" sz="2000" dirty="0">
+                <a:solidFill>
+                  <a:schemeClr val="bg1"/>
+                </a:solidFill>
+              </a:rPr>
+              <a:t>Receiving </a:t>
+            </a:r>
+          </a:p>
+        </p:txBody>
+      </p:sp>
+    </p:spTree>
+    <p:extLst>
+      <p:ext uri="{BB962C8B-B14F-4D97-AF65-F5344CB8AC3E}">
+        <p14:creationId xmlns:p14="http://schemas.microsoft.com/office/powerpoint/2010/main" val="2745242736"/>
+      </p:ext>
+    </p:extLst>
+  </p:cSld>
+  <p:clrMapOvr>
+    <a:masterClrMapping/>
+  </p:clrMapOvr>
+</p:sld>
+</file>
+
+<file path=ppt/slides/slide9.xml><?xml version="1.0" encoding="utf-8"?>
+<p:sld xmlns:a="http://schemas.openxmlformats.org/drawingml/2006/main" xmlns:r="http://schemas.openxmlformats.org/officeDocument/2006/relationships" xmlns:p="http://schemas.openxmlformats.org/presentationml/2006/main">
+  <p:cSld>
+    <p:bg>
+      <p:bgPr>
+        <a:solidFill>
+          <a:schemeClr val="bg1">
+            <a:tint val="95000"/>
+            <a:satMod val="170000"/>
+          </a:schemeClr>
+        </a:solidFill>
+        <a:effectLst/>
+      </p:bgPr>
+    </p:bg>
+    <p:spTree>
+      <p:nvGrpSpPr>
+        <p:cNvPr id="1" name=""/>
+        <p:cNvGrpSpPr/>
+        <p:nvPr/>
+      </p:nvGrpSpPr>
+      <p:grpSpPr>
+        <a:xfrm>
+          <a:off x="0" y="0"/>
+          <a:ext cx="0" cy="0"/>
+          <a:chOff x="0" y="0"/>
+          <a:chExt cx="0" cy="0"/>
+        </a:xfrm>
+      </p:grpSpPr>
+      <p:sp>
+        <p:nvSpPr>
+          <p:cNvPr id="28" name="Freeform: Shape 27">
+            <a:extLst>
+              <a:ext uri="{FF2B5EF4-FFF2-40B4-BE49-F238E27FC236}">
+                <a16:creationId xmlns:a16="http://schemas.microsoft.com/office/drawing/2014/main" id="{E862BE82-D00D-42C1-BF16-93AA37870C32}"/>
+              </a:ext>
+            </a:extLst>
+          </p:cNvPr>
+          <p:cNvSpPr>
+            <a:spLocks noGrp="1" noRot="1" noChangeAspect="1" noMove="1" noResize="1" noEditPoints="1" noAdjustHandles="1" noChangeArrowheads="1" noChangeShapeType="1" noTextEdit="1"/>
+          </p:cNvSpPr>
+          <p:nvPr>
+            <p:extLst>
+              <p:ext uri="{386F3935-93C4-4BCD-93E2-E3B085C9AB24}">
+                <p16:designElem xmlns:p16="http://schemas.microsoft.com/office/powerpoint/2015/main" val="1"/>
+              </p:ext>
+            </p:extLst>
+          </p:nvPr>
+        </p:nvSpPr>
+        <p:spPr>
+          <a:xfrm>
+            <a:off x="0" y="-2008"/>
+            <a:ext cx="5609220" cy="5840278"/>
+          </a:xfrm>
+          <a:custGeom>
+            <a:avLst/>
+            <a:gdLst>
+              <a:gd name="connsiteX0" fmla="*/ 0 w 5609220"/>
+              <a:gd name="connsiteY0" fmla="*/ 0 h 5840278"/>
+              <a:gd name="connsiteX1" fmla="*/ 4637091 w 5609220"/>
+              <a:gd name="connsiteY1" fmla="*/ 0 h 5840278"/>
+              <a:gd name="connsiteX2" fmla="*/ 4822569 w 5609220"/>
+              <a:gd name="connsiteY2" fmla="*/ 204077 h 5840278"/>
+              <a:gd name="connsiteX3" fmla="*/ 5609220 w 5609220"/>
+              <a:gd name="connsiteY3" fmla="*/ 2395363 h 5840278"/>
+              <a:gd name="connsiteX4" fmla="*/ 2164305 w 5609220"/>
+              <a:gd name="connsiteY4" fmla="*/ 5840278 h 5840278"/>
+              <a:gd name="connsiteX5" fmla="*/ 238220 w 5609220"/>
+              <a:gd name="connsiteY5" fmla="*/ 5251941 h 5840278"/>
+              <a:gd name="connsiteX6" fmla="*/ 0 w 5609220"/>
+              <a:gd name="connsiteY6" fmla="*/ 5073803 h 5840278"/>
+            </a:gdLst>
+            <a:ahLst/>
+            <a:cxnLst>
+              <a:cxn ang="0">
+                <a:pos x="connsiteX0" y="connsiteY0"/>
+              </a:cxn>
+              <a:cxn ang="0">
+                <a:pos x="connsiteX1" y="connsiteY1"/>
+              </a:cxn>
+              <a:cxn ang="0">
+                <a:pos x="connsiteX2" y="connsiteY2"/>
+              </a:cxn>
+              <a:cxn ang="0">
+                <a:pos x="connsiteX3" y="connsiteY3"/>
+              </a:cxn>
+              <a:cxn ang="0">
+                <a:pos x="connsiteX4" y="connsiteY4"/>
+              </a:cxn>
+              <a:cxn ang="0">
+                <a:pos x="connsiteX5" y="connsiteY5"/>
+              </a:cxn>
+              <a:cxn ang="0">
+                <a:pos x="connsiteX6" y="connsiteY6"/>
+              </a:cxn>
+            </a:cxnLst>
+            <a:rect l="l" t="t" r="r" b="b"/>
+            <a:pathLst>
+              <a:path w="5609220" h="5840278">
+                <a:moveTo>
+                  <a:pt x="0" y="0"/>
+                </a:moveTo>
+                <a:lnTo>
+                  <a:pt x="4637091" y="0"/>
+                </a:lnTo>
+                <a:lnTo>
+                  <a:pt x="4822569" y="204077"/>
+                </a:lnTo>
+                <a:cubicBezTo>
+                  <a:pt x="5314007" y="799562"/>
+                  <a:pt x="5609220" y="1562987"/>
+                  <a:pt x="5609220" y="2395363"/>
+                </a:cubicBezTo>
+                <a:cubicBezTo>
+                  <a:pt x="5609220" y="4297937"/>
+                  <a:pt x="4066879" y="5840278"/>
+                  <a:pt x="2164305" y="5840278"/>
+                </a:cubicBezTo>
+                <a:cubicBezTo>
+                  <a:pt x="1450840" y="5840278"/>
+                  <a:pt x="788032" y="5623387"/>
+                  <a:pt x="238220" y="5251941"/>
+                </a:cubicBezTo>
+                <a:lnTo>
+                  <a:pt x="0" y="5073803"/>
+                </a:lnTo>
+                <a:close/>
+              </a:path>
+            </a:pathLst>
+          </a:custGeom>
+          <a:solidFill>
+            <a:schemeClr val="tx1">
+              <a:alpha val="20000"/>
+            </a:schemeClr>
+          </a:solidFill>
+          <a:ln>
+            <a:noFill/>
+          </a:ln>
+        </p:spPr>
+        <p:style>
+          <a:lnRef idx="2">
+            <a:schemeClr val="accent1">
+              <a:shade val="50000"/>
+            </a:schemeClr>
+          </a:lnRef>
+          <a:fillRef idx="1">
+            <a:schemeClr val="accent1"/>
+          </a:fillRef>
+          <a:effectRef idx="0">
+            <a:schemeClr val="accent1"/>
+          </a:effectRef>
+          <a:fontRef idx="minor">
+            <a:schemeClr val="lt1"/>
+          </a:fontRef>
+        </p:style>
+        <p:txBody>
+          <a:bodyPr rtlCol="0" anchor="ctr"/>
+          <a:lstStyle/>
+          <a:p>
+            <a:pPr marL="0" marR="0" lvl="0" indent="0" algn="ctr" defTabSz="914400" rtl="0" eaLnBrk="1" fontAlgn="auto" latinLnBrk="0" hangingPunct="1">
+              <a:lnSpc>
+                <a:spcPct val="100000"/>
+              </a:lnSpc>
+              <a:spcBef>
+                <a:spcPts val="0"/>
+              </a:spcBef>
+              <a:spcAft>
+                <a:spcPts val="0"/>
+              </a:spcAft>
+              <a:buClrTx/>
+              <a:buSzTx/>
+              <a:buFontTx/>
+              <a:buNone/>
+              <a:tabLst/>
+              <a:defRPr/>
+            </a:pPr>
+            <a:endParaRPr kumimoji="0" lang="en-US" sz="1800" b="0" i="0" u="none" strike="noStrike" kern="1200" cap="none" spc="0" normalizeH="0" baseline="0" noProof="0">
+              <a:ln>
+                <a:noFill/>
+              </a:ln>
+              <a:solidFill>
+                <a:prstClr val="white"/>
+              </a:solidFill>
+              <a:effectLst/>
+              <a:uLnTx/>
+              <a:uFillTx/>
+              <a:latin typeface="Calibri" panose="020F0502020204030204"/>
+              <a:ea typeface="+mn-ea"/>
+              <a:cs typeface="+mn-cs"/>
+            </a:endParaRPr>
+          </a:p>
+        </p:txBody>
+      </p:sp>
+      <p:sp>
+        <p:nvSpPr>
+          <p:cNvPr id="30" name="Freeform: Shape 29">
+            <a:extLst>
+              <a:ext uri="{FF2B5EF4-FFF2-40B4-BE49-F238E27FC236}">
+                <a16:creationId xmlns:a16="http://schemas.microsoft.com/office/drawing/2014/main" id="{F6D92C2D-1D3D-4974-918C-06579FB354A9}"/>
+              </a:ext>
+            </a:extLst>
+          </p:cNvPr>
+          <p:cNvSpPr>
+            <a:spLocks noGrp="1" noRot="1" noChangeAspect="1" noMove="1" noResize="1" noEditPoints="1" noAdjustHandles="1" noChangeArrowheads="1" noChangeShapeType="1" noTextEdit="1"/>
+          </p:cNvSpPr>
+          <p:nvPr>
+            <p:extLst>
+              <p:ext uri="{386F3935-93C4-4BCD-93E2-E3B085C9AB24}">
+                <p16:designElem xmlns:p16="http://schemas.microsoft.com/office/powerpoint/2015/main" val="1"/>
+              </p:ext>
+            </p:extLst>
+          </p:nvPr>
+        </p:nvSpPr>
+        <p:spPr>
+          <a:xfrm>
+            <a:off x="-2333" y="-2"/>
+            <a:ext cx="5441859" cy="5654940"/>
+          </a:xfrm>
+          <a:custGeom>
+            <a:avLst/>
+            <a:gdLst>
+              <a:gd name="connsiteX0" fmla="*/ 0 w 5441859"/>
+              <a:gd name="connsiteY0" fmla="*/ 0 h 5654940"/>
+              <a:gd name="connsiteX1" fmla="*/ 4400492 w 5441859"/>
+              <a:gd name="connsiteY1" fmla="*/ 0 h 5654940"/>
+              <a:gd name="connsiteX2" fmla="*/ 4484767 w 5441859"/>
+              <a:gd name="connsiteY2" fmla="*/ 76595 h 5654940"/>
+              <a:gd name="connsiteX3" fmla="*/ 5441859 w 5441859"/>
+              <a:gd name="connsiteY3" fmla="*/ 2387221 h 5654940"/>
+              <a:gd name="connsiteX4" fmla="*/ 2174140 w 5441859"/>
+              <a:gd name="connsiteY4" fmla="*/ 5654940 h 5654940"/>
+              <a:gd name="connsiteX5" fmla="*/ 156693 w 5441859"/>
+              <a:gd name="connsiteY5" fmla="*/ 4957981 h 5654940"/>
+              <a:gd name="connsiteX6" fmla="*/ 0 w 5441859"/>
+              <a:gd name="connsiteY6" fmla="*/ 4820612 h 5654940"/>
+            </a:gdLst>
+            <a:ahLst/>
+            <a:cxnLst>
+              <a:cxn ang="0">
+                <a:pos x="connsiteX0" y="connsiteY0"/>
+              </a:cxn>
+              <a:cxn ang="0">
+                <a:pos x="connsiteX1" y="connsiteY1"/>
+              </a:cxn>
+              <a:cxn ang="0">
+                <a:pos x="connsiteX2" y="connsiteY2"/>
+              </a:cxn>
+              <a:cxn ang="0">
+                <a:pos x="connsiteX3" y="connsiteY3"/>
+              </a:cxn>
+              <a:cxn ang="0">
+                <a:pos x="connsiteX4" y="connsiteY4"/>
+              </a:cxn>
+              <a:cxn ang="0">
+                <a:pos x="connsiteX5" y="connsiteY5"/>
+              </a:cxn>
+              <a:cxn ang="0">
+                <a:pos x="connsiteX6" y="connsiteY6"/>
+              </a:cxn>
+            </a:cxnLst>
+            <a:rect l="l" t="t" r="r" b="b"/>
+            <a:pathLst>
+              <a:path w="5441859" h="5654940">
+                <a:moveTo>
+                  <a:pt x="0" y="0"/>
+                </a:moveTo>
+                <a:lnTo>
+                  <a:pt x="4400492" y="0"/>
+                </a:lnTo>
+                <a:lnTo>
+                  <a:pt x="4484767" y="76595"/>
+                </a:lnTo>
+                <a:cubicBezTo>
+                  <a:pt x="5076108" y="667936"/>
+                  <a:pt x="5441859" y="1484866"/>
+                  <a:pt x="5441859" y="2387221"/>
+                </a:cubicBezTo>
+                <a:cubicBezTo>
+                  <a:pt x="5441859" y="4191932"/>
+                  <a:pt x="3978851" y="5654940"/>
+                  <a:pt x="2174140" y="5654940"/>
+                </a:cubicBezTo>
+                <a:cubicBezTo>
+                  <a:pt x="1412778" y="5654940"/>
+                  <a:pt x="712231" y="5394557"/>
+                  <a:pt x="156693" y="4957981"/>
+                </a:cubicBezTo>
+                <a:lnTo>
+                  <a:pt x="0" y="4820612"/>
+                </a:lnTo>
+                <a:close/>
+              </a:path>
+            </a:pathLst>
+          </a:custGeom>
+          <a:solidFill>
+            <a:schemeClr val="bg1">
+              <a:lumMod val="95000"/>
+              <a:lumOff val="5000"/>
+              <a:alpha val="80000"/>
+            </a:schemeClr>
+          </a:solidFill>
+          <a:ln>
+            <a:noFill/>
+          </a:ln>
+        </p:spPr>
+        <p:style>
+          <a:lnRef idx="2">
+            <a:schemeClr val="accent1">
+              <a:shade val="50000"/>
+            </a:schemeClr>
+          </a:lnRef>
+          <a:fillRef idx="1">
+            <a:schemeClr val="accent1"/>
+          </a:fillRef>
+          <a:effectRef idx="0">
+            <a:schemeClr val="accent1"/>
+          </a:effectRef>
+          <a:fontRef idx="minor">
+            <a:schemeClr val="lt1"/>
+          </a:fontRef>
+        </p:style>
+        <p:txBody>
+          <a:bodyPr rtlCol="0" anchor="ctr"/>
+          <a:lstStyle/>
+          <a:p>
+            <a:pPr marL="0" marR="0" lvl="0" indent="0" algn="ctr" defTabSz="914400" rtl="0" eaLnBrk="1" fontAlgn="auto" latinLnBrk="0" hangingPunct="1">
+              <a:lnSpc>
+                <a:spcPct val="100000"/>
+              </a:lnSpc>
+              <a:spcBef>
+                <a:spcPts val="0"/>
+              </a:spcBef>
+              <a:spcAft>
+                <a:spcPts val="0"/>
+              </a:spcAft>
+              <a:buClrTx/>
+              <a:buSzTx/>
+              <a:buFontTx/>
+              <a:buNone/>
+              <a:tabLst/>
+              <a:defRPr/>
+            </a:pPr>
+            <a:endParaRPr kumimoji="0" lang="en-US" sz="1800" b="0" i="0" u="none" strike="noStrike" kern="1200" cap="none" spc="0" normalizeH="0" baseline="0" noProof="0">
+              <a:ln>
+                <a:noFill/>
+              </a:ln>
+              <a:solidFill>
+                <a:prstClr val="white"/>
+              </a:solidFill>
+              <a:effectLst/>
+              <a:uLnTx/>
+              <a:uFillTx/>
+              <a:latin typeface="Calibri" panose="020F0502020204030204"/>
+              <a:ea typeface="+mn-ea"/>
+              <a:cs typeface="+mn-cs"/>
+            </a:endParaRPr>
+          </a:p>
+        </p:txBody>
+      </p:sp>
+      <p:sp>
+        <p:nvSpPr>
+          <p:cNvPr id="2" name="Titel 1">
+            <a:extLst>
+              <a:ext uri="{FF2B5EF4-FFF2-40B4-BE49-F238E27FC236}">
+                <a16:creationId xmlns:a16="http://schemas.microsoft.com/office/drawing/2014/main" id="{3E1A747B-9675-4981-ACB2-9927B952BFB3}"/>
+              </a:ext>
+            </a:extLst>
+          </p:cNvPr>
+          <p:cNvSpPr>
+            <a:spLocks noGrp="1"/>
+          </p:cNvSpPr>
+          <p:nvPr>
+            <p:ph type="title"/>
+          </p:nvPr>
+        </p:nvSpPr>
+        <p:spPr>
+          <a:xfrm>
+            <a:off x="773288" y="208256"/>
+            <a:ext cx="4062643" cy="1043409"/>
+          </a:xfrm>
+        </p:spPr>
+        <p:txBody>
+          <a:bodyPr>
+            <a:normAutofit/>
+          </a:bodyPr>
+          <a:lstStyle/>
+          <a:p>
+            <a:r>
+              <a:rPr lang="en-US" sz="3600" dirty="0"/>
+              <a:t>Lifetime Calculations</a:t>
+            </a:r>
+            <a:endParaRPr lang="en-DK" sz="3600" dirty="0"/>
+          </a:p>
+        </p:txBody>
+      </p:sp>
+      <p:sp>
+        <p:nvSpPr>
+          <p:cNvPr id="14" name="Content Placeholder 9">
+            <a:extLst>
+              <a:ext uri="{FF2B5EF4-FFF2-40B4-BE49-F238E27FC236}">
+                <a16:creationId xmlns:a16="http://schemas.microsoft.com/office/drawing/2014/main" id="{F6FD5C6F-1FDA-48CD-BEC0-12B68866E584}"/>
+              </a:ext>
+            </a:extLst>
+          </p:cNvPr>
+          <p:cNvSpPr>
+            <a:spLocks noGrp="1"/>
+          </p:cNvSpPr>
+          <p:nvPr>
+            <p:ph idx="1"/>
+          </p:nvPr>
+        </p:nvSpPr>
+        <p:spPr>
+          <a:xfrm>
+            <a:off x="603594" y="1173737"/>
+            <a:ext cx="4064409" cy="3353440"/>
+          </a:xfrm>
+        </p:spPr>
+        <p:txBody>
+          <a:bodyPr anchor="t">
+            <a:normAutofit/>
+          </a:bodyPr>
+          <a:lstStyle/>
+          <a:p>
+            <a:r>
+              <a:rPr lang="en-US" sz="1800" dirty="0"/>
+              <a:t>Battery End of Lifetime = Half Capacity</a:t>
+            </a:r>
+          </a:p>
+          <a:p>
+            <a:r>
+              <a:rPr lang="en-US" sz="1800" dirty="0"/>
+              <a:t>Max and min power transmission</a:t>
+            </a:r>
+          </a:p>
+          <a:p>
+            <a:pPr lvl="1"/>
+            <a:r>
+              <a:rPr lang="en-US" sz="1400" dirty="0"/>
+              <a:t>0dBm</a:t>
+            </a:r>
+          </a:p>
+          <a:p>
+            <a:pPr lvl="1"/>
+            <a:r>
+              <a:rPr lang="en-US" sz="1400" dirty="0"/>
+              <a:t>-24dBm</a:t>
+            </a:r>
+            <a:endParaRPr lang="en-US" sz="1800" dirty="0"/>
+          </a:p>
+          <a:p>
+            <a:r>
+              <a:rPr lang="en-US" sz="1800" dirty="0"/>
+              <a:t>Sleep between packages or not</a:t>
+            </a:r>
+          </a:p>
+          <a:p>
+            <a:pPr lvl="1"/>
+            <a:r>
+              <a:rPr lang="en-US" sz="1400" dirty="0"/>
+              <a:t>4 packages = 0.0521s</a:t>
+            </a:r>
+          </a:p>
+          <a:p>
+            <a:pPr lvl="2"/>
+            <a:r>
+              <a:rPr lang="en-US" sz="1000" dirty="0"/>
+              <a:t>Transmit</a:t>
+            </a:r>
+          </a:p>
+          <a:p>
+            <a:pPr lvl="2"/>
+            <a:r>
+              <a:rPr lang="en-US" sz="1000" dirty="0"/>
+              <a:t>Receiving</a:t>
+            </a:r>
+          </a:p>
+          <a:p>
+            <a:pPr lvl="2"/>
+            <a:r>
+              <a:rPr lang="en-US" sz="1000" dirty="0"/>
+              <a:t>latency </a:t>
+            </a:r>
+            <a:endParaRPr lang="en-US" sz="2200" dirty="0"/>
+          </a:p>
+          <a:p>
+            <a:r>
+              <a:rPr lang="en-US" sz="1800" dirty="0"/>
+              <a:t>Overshoot</a:t>
+            </a:r>
+          </a:p>
+          <a:p>
+            <a:pPr lvl="1"/>
+            <a:r>
+              <a:rPr lang="en-US" sz="1400" dirty="0"/>
+              <a:t>40% extra power usage at peak</a:t>
+            </a:r>
+          </a:p>
+          <a:p>
+            <a:pPr lvl="1"/>
+            <a:r>
+              <a:rPr lang="en-US" sz="1400" dirty="0"/>
+              <a:t>50milli seconds</a:t>
+            </a:r>
+          </a:p>
+        </p:txBody>
+      </p:sp>
+      <p:pic>
+        <p:nvPicPr>
+          <p:cNvPr id="3" name="Picture 2">
+            <a:extLst>
+              <a:ext uri="{FF2B5EF4-FFF2-40B4-BE49-F238E27FC236}">
+                <a16:creationId xmlns:a16="http://schemas.microsoft.com/office/drawing/2014/main" id="{B3C7E81B-AE90-449D-B294-5553F1260EFD}"/>
+              </a:ext>
+            </a:extLst>
+          </p:cNvPr>
+          <p:cNvPicPr>
+            <a:picLocks noChangeAspect="1"/>
+          </p:cNvPicPr>
+          <p:nvPr/>
+        </p:nvPicPr>
+        <p:blipFill>
+          <a:blip r:embed="rId2"/>
+          <a:stretch>
+            <a:fillRect/>
+          </a:stretch>
+        </p:blipFill>
+        <p:spPr>
+          <a:xfrm>
+            <a:off x="5715561" y="724501"/>
+            <a:ext cx="6229350" cy="2228850"/>
+          </a:xfrm>
+          <a:prstGeom prst="rect">
+            <a:avLst/>
+          </a:prstGeom>
+        </p:spPr>
+      </p:pic>
+      <p:pic>
+        <p:nvPicPr>
+          <p:cNvPr id="5" name="Picture 4">
+            <a:extLst>
+              <a:ext uri="{FF2B5EF4-FFF2-40B4-BE49-F238E27FC236}">
+                <a16:creationId xmlns:a16="http://schemas.microsoft.com/office/drawing/2014/main" id="{8536489A-1B2F-482D-8054-3E536A7285E8}"/>
+              </a:ext>
+            </a:extLst>
+          </p:cNvPr>
+          <p:cNvPicPr>
+            <a:picLocks noChangeAspect="1"/>
+          </p:cNvPicPr>
+          <p:nvPr/>
+        </p:nvPicPr>
+        <p:blipFill>
+          <a:blip r:embed="rId3"/>
+          <a:stretch>
+            <a:fillRect/>
+          </a:stretch>
+        </p:blipFill>
+        <p:spPr>
+          <a:xfrm>
+            <a:off x="5715561" y="3051754"/>
+            <a:ext cx="6229350" cy="3361567"/>
+          </a:xfrm>
+          <a:prstGeom prst="rect">
+            <a:avLst/>
+          </a:prstGeom>
+        </p:spPr>
+      </p:pic>
+    </p:spTree>
+    <p:extLst>
+      <p:ext uri="{BB962C8B-B14F-4D97-AF65-F5344CB8AC3E}">
+        <p14:creationId xmlns:p14="http://schemas.microsoft.com/office/powerpoint/2010/main" val="3156928058"/>
+      </p:ext>
+    </p:extLst>
+  </p:cSld>
+  <p:clrMapOvr>
+    <a:overrideClrMapping bg1="dk1" tx1="lt1" bg2="dk2" tx2="lt2" accent1="accent1" accent2="accent2" accent3="accent3" accent4="accent4" accent5="accent5" accent6="accent6" hlink="hlink" folHlink="folHlink"/>
   </p:clrMapOvr>
 </p:sld>
 </file>
